--- a/day2-review.pptx
+++ b/day2-review.pptx
@@ -5,7 +5,7 @@
     <p:sldMasterId id="2147483648" r:id="rId1"/>
   </p:sldMasterIdLst>
   <p:notesMasterIdLst>
-    <p:notesMasterId r:id="rId15"/>
+    <p:notesMasterId r:id="rId20"/>
   </p:notesMasterIdLst>
   <p:sldIdLst>
     <p:sldId id="257" r:id="rId2"/>
@@ -14,13 +14,18 @@
     <p:sldId id="262" r:id="rId5"/>
     <p:sldId id="263" r:id="rId6"/>
     <p:sldId id="264" r:id="rId7"/>
-    <p:sldId id="265" r:id="rId8"/>
-    <p:sldId id="267" r:id="rId9"/>
-    <p:sldId id="268" r:id="rId10"/>
-    <p:sldId id="269" r:id="rId11"/>
-    <p:sldId id="271" r:id="rId12"/>
-    <p:sldId id="273" r:id="rId13"/>
-    <p:sldId id="272" r:id="rId14"/>
+    <p:sldId id="276" r:id="rId8"/>
+    <p:sldId id="277" r:id="rId9"/>
+    <p:sldId id="275" r:id="rId10"/>
+    <p:sldId id="278" r:id="rId11"/>
+    <p:sldId id="279" r:id="rId12"/>
+    <p:sldId id="265" r:id="rId13"/>
+    <p:sldId id="267" r:id="rId14"/>
+    <p:sldId id="268" r:id="rId15"/>
+    <p:sldId id="269" r:id="rId16"/>
+    <p:sldId id="271" r:id="rId17"/>
+    <p:sldId id="273" r:id="rId18"/>
+    <p:sldId id="272" r:id="rId19"/>
   </p:sldIdLst>
   <p:sldSz cx="9144000" cy="6858000" type="screen4x3"/>
   <p:notesSz cx="6858000" cy="9144000"/>
@@ -204,7 +209,7 @@
           <a:p>
             <a:fld id="{91BDCAE1-DC13-3545-841A-A4DBCAED93AF}" type="datetimeFigureOut">
               <a:rPr lang="en-US" smtClean="0"/>
-              <a:t>6/3/16</a:t>
+              <a:t>6/14/16</a:t>
             </a:fld>
             <a:endParaRPr lang="en-US"/>
           </a:p>
@@ -916,7 +921,7 @@
 </p:notes>
 </file>
 
-<file path=ppt/notesSlides/notesSlide2.xml><?xml version="1.0" encoding="utf-8"?>
+<file path=ppt/notesSlides/notesSlide13.xml><?xml version="1.0" encoding="utf-8"?>
 <p:notes xmlns:a="http://schemas.openxmlformats.org/drawingml/2006/main" xmlns:r="http://schemas.openxmlformats.org/officeDocument/2006/relationships" xmlns:p="http://schemas.openxmlformats.org/presentationml/2006/main" showMasterSp="0" showMasterPhAnim="0">
   <p:cSld>
     <p:spTree>
@@ -1027,7 +1032,7 @@
 </p:notes>
 </file>
 
-<file path=ppt/notesSlides/notesSlide3.xml><?xml version="1.0" encoding="utf-8"?>
+<file path=ppt/notesSlides/notesSlide14.xml><?xml version="1.0" encoding="utf-8"?>
 <p:notes xmlns:a="http://schemas.openxmlformats.org/drawingml/2006/main" xmlns:r="http://schemas.openxmlformats.org/officeDocument/2006/relationships" xmlns:p="http://schemas.openxmlformats.org/presentationml/2006/main" showMasterSp="0" showMasterPhAnim="0">
   <p:cSld>
     <p:spTree>
@@ -1138,7 +1143,7 @@
 </p:notes>
 </file>
 
-<file path=ppt/notesSlides/notesSlide4.xml><?xml version="1.0" encoding="utf-8"?>
+<file path=ppt/notesSlides/notesSlide15.xml><?xml version="1.0" encoding="utf-8"?>
 <p:notes xmlns:a="http://schemas.openxmlformats.org/drawingml/2006/main" xmlns:r="http://schemas.openxmlformats.org/officeDocument/2006/relationships" xmlns:p="http://schemas.openxmlformats.org/presentationml/2006/main" showMasterSp="0" showMasterPhAnim="0">
   <p:cSld>
     <p:spTree>
@@ -1249,7 +1254,7 @@
 </p:notes>
 </file>
 
-<file path=ppt/notesSlides/notesSlide5.xml><?xml version="1.0" encoding="utf-8"?>
+<file path=ppt/notesSlides/notesSlide16.xml><?xml version="1.0" encoding="utf-8"?>
 <p:notes xmlns:a="http://schemas.openxmlformats.org/drawingml/2006/main" xmlns:r="http://schemas.openxmlformats.org/officeDocument/2006/relationships" xmlns:p="http://schemas.openxmlformats.org/presentationml/2006/main" showMasterSp="0" showMasterPhAnim="0">
   <p:cSld>
     <p:spTree>
@@ -1360,7 +1365,7 @@
 </p:notes>
 </file>
 
-<file path=ppt/notesSlides/notesSlide6.xml><?xml version="1.0" encoding="utf-8"?>
+<file path=ppt/notesSlides/notesSlide17.xml><?xml version="1.0" encoding="utf-8"?>
 <p:notes xmlns:a="http://schemas.openxmlformats.org/drawingml/2006/main" xmlns:r="http://schemas.openxmlformats.org/officeDocument/2006/relationships" xmlns:p="http://schemas.openxmlformats.org/presentationml/2006/main" showMasterSp="0" showMasterPhAnim="0">
   <p:cSld>
     <p:spTree>
@@ -1471,7 +1476,7 @@
 </p:notes>
 </file>
 
-<file path=ppt/notesSlides/notesSlide7.xml><?xml version="1.0" encoding="utf-8"?>
+<file path=ppt/notesSlides/notesSlide2.xml><?xml version="1.0" encoding="utf-8"?>
 <p:notes xmlns:a="http://schemas.openxmlformats.org/drawingml/2006/main" xmlns:r="http://schemas.openxmlformats.org/officeDocument/2006/relationships" xmlns:p="http://schemas.openxmlformats.org/presentationml/2006/main" showMasterSp="0" showMasterPhAnim="0">
   <p:cSld>
     <p:spTree>
@@ -1582,7 +1587,7 @@
 </p:notes>
 </file>
 
-<file path=ppt/notesSlides/notesSlide8.xml><?xml version="1.0" encoding="utf-8"?>
+<file path=ppt/notesSlides/notesSlide3.xml><?xml version="1.0" encoding="utf-8"?>
 <p:notes xmlns:a="http://schemas.openxmlformats.org/drawingml/2006/main" xmlns:r="http://schemas.openxmlformats.org/officeDocument/2006/relationships" xmlns:p="http://schemas.openxmlformats.org/presentationml/2006/main" showMasterSp="0" showMasterPhAnim="0">
   <p:cSld>
     <p:spTree>
@@ -1693,7 +1698,7 @@
 </p:notes>
 </file>
 
-<file path=ppt/notesSlides/notesSlide9.xml><?xml version="1.0" encoding="utf-8"?>
+<file path=ppt/notesSlides/notesSlide4.xml><?xml version="1.0" encoding="utf-8"?>
 <p:notes xmlns:a="http://schemas.openxmlformats.org/drawingml/2006/main" xmlns:r="http://schemas.openxmlformats.org/officeDocument/2006/relationships" xmlns:p="http://schemas.openxmlformats.org/presentationml/2006/main" showMasterSp="0" showMasterPhAnim="0">
   <p:cSld>
     <p:spTree>
@@ -1804,6 +1809,561 @@
 </p:notes>
 </file>
 
+<file path=ppt/notesSlides/notesSlide5.xml><?xml version="1.0" encoding="utf-8"?>
+<p:notes xmlns:a="http://schemas.openxmlformats.org/drawingml/2006/main" xmlns:r="http://schemas.openxmlformats.org/officeDocument/2006/relationships" xmlns:p="http://schemas.openxmlformats.org/presentationml/2006/main" showMasterSp="0" showMasterPhAnim="0">
+  <p:cSld>
+    <p:spTree>
+      <p:nvGrpSpPr>
+        <p:cNvPr id="1" name="Shape 31"/>
+        <p:cNvGrpSpPr/>
+        <p:nvPr/>
+      </p:nvGrpSpPr>
+      <p:grpSpPr>
+        <a:xfrm>
+          <a:off x="0" y="0"/>
+          <a:ext cx="0" cy="0"/>
+          <a:chOff x="0" y="0"/>
+          <a:chExt cx="0" cy="0"/>
+        </a:xfrm>
+      </p:grpSpPr>
+      <p:sp>
+        <p:nvSpPr>
+          <p:cNvPr id="32" name="Shape 32"/>
+          <p:cNvSpPr>
+            <a:spLocks noGrp="1" noRot="1" noChangeAspect="1"/>
+          </p:cNvSpPr>
+          <p:nvPr>
+            <p:ph type="sldImg" idx="2"/>
+          </p:nvPr>
+        </p:nvSpPr>
+        <p:spPr>
+          <a:xfrm>
+            <a:off x="1143000" y="685800"/>
+            <a:ext cx="4572000" cy="3429000"/>
+          </a:xfrm>
+          <a:custGeom>
+            <a:avLst/>
+            <a:gdLst/>
+            <a:ahLst/>
+            <a:cxnLst/>
+            <a:rect l="0" t="0" r="0" b="0"/>
+            <a:pathLst>
+              <a:path w="120000" h="120000" extrusionOk="0">
+                <a:moveTo>
+                  <a:pt x="0" y="0"/>
+                </a:moveTo>
+                <a:lnTo>
+                  <a:pt x="120000" y="0"/>
+                </a:lnTo>
+                <a:lnTo>
+                  <a:pt x="120000" y="120000"/>
+                </a:lnTo>
+                <a:lnTo>
+                  <a:pt x="0" y="120000"/>
+                </a:lnTo>
+                <a:close/>
+              </a:path>
+            </a:pathLst>
+          </a:custGeom>
+          <a:noFill/>
+          <a:ln w="9525" cap="flat">
+            <a:solidFill>
+              <a:srgbClr val="000000"/>
+            </a:solidFill>
+            <a:prstDash val="solid"/>
+            <a:round/>
+            <a:headEnd type="none" w="med" len="med"/>
+            <a:tailEnd type="none" w="med" len="med"/>
+          </a:ln>
+        </p:spPr>
+      </p:sp>
+      <p:sp>
+        <p:nvSpPr>
+          <p:cNvPr id="33" name="Shape 33"/>
+          <p:cNvSpPr txBox="1">
+            <a:spLocks noGrp="1"/>
+          </p:cNvSpPr>
+          <p:nvPr>
+            <p:ph type="body" idx="1"/>
+          </p:nvPr>
+        </p:nvSpPr>
+        <p:spPr>
+          <a:xfrm>
+            <a:off x="685800" y="4343400"/>
+            <a:ext cx="5486399" cy="4114800"/>
+          </a:xfrm>
+          <a:prstGeom prst="rect">
+            <a:avLst/>
+          </a:prstGeom>
+        </p:spPr>
+        <p:txBody>
+          <a:bodyPr lIns="91425" tIns="91425" rIns="91425" bIns="91425" anchor="t" anchorCtr="0">
+            <a:noAutofit/>
+          </a:bodyPr>
+          <a:lstStyle/>
+          <a:p>
+            <a:pPr>
+              <a:spcBef>
+                <a:spcPts val="0"/>
+              </a:spcBef>
+              <a:buNone/>
+            </a:pPr>
+            <a:endParaRPr/>
+          </a:p>
+        </p:txBody>
+      </p:sp>
+    </p:spTree>
+  </p:cSld>
+  <p:clrMapOvr>
+    <a:masterClrMapping/>
+  </p:clrMapOvr>
+</p:notes>
+</file>
+
+<file path=ppt/notesSlides/notesSlide6.xml><?xml version="1.0" encoding="utf-8"?>
+<p:notes xmlns:a="http://schemas.openxmlformats.org/drawingml/2006/main" xmlns:r="http://schemas.openxmlformats.org/officeDocument/2006/relationships" xmlns:p="http://schemas.openxmlformats.org/presentationml/2006/main" showMasterSp="0" showMasterPhAnim="0">
+  <p:cSld>
+    <p:spTree>
+      <p:nvGrpSpPr>
+        <p:cNvPr id="1" name="Shape 31"/>
+        <p:cNvGrpSpPr/>
+        <p:nvPr/>
+      </p:nvGrpSpPr>
+      <p:grpSpPr>
+        <a:xfrm>
+          <a:off x="0" y="0"/>
+          <a:ext cx="0" cy="0"/>
+          <a:chOff x="0" y="0"/>
+          <a:chExt cx="0" cy="0"/>
+        </a:xfrm>
+      </p:grpSpPr>
+      <p:sp>
+        <p:nvSpPr>
+          <p:cNvPr id="32" name="Shape 32"/>
+          <p:cNvSpPr>
+            <a:spLocks noGrp="1" noRot="1" noChangeAspect="1"/>
+          </p:cNvSpPr>
+          <p:nvPr>
+            <p:ph type="sldImg" idx="2"/>
+          </p:nvPr>
+        </p:nvSpPr>
+        <p:spPr>
+          <a:xfrm>
+            <a:off x="1143000" y="685800"/>
+            <a:ext cx="4572000" cy="3429000"/>
+          </a:xfrm>
+          <a:custGeom>
+            <a:avLst/>
+            <a:gdLst/>
+            <a:ahLst/>
+            <a:cxnLst/>
+            <a:rect l="0" t="0" r="0" b="0"/>
+            <a:pathLst>
+              <a:path w="120000" h="120000" extrusionOk="0">
+                <a:moveTo>
+                  <a:pt x="0" y="0"/>
+                </a:moveTo>
+                <a:lnTo>
+                  <a:pt x="120000" y="0"/>
+                </a:lnTo>
+                <a:lnTo>
+                  <a:pt x="120000" y="120000"/>
+                </a:lnTo>
+                <a:lnTo>
+                  <a:pt x="0" y="120000"/>
+                </a:lnTo>
+                <a:close/>
+              </a:path>
+            </a:pathLst>
+          </a:custGeom>
+          <a:noFill/>
+          <a:ln w="9525" cap="flat">
+            <a:solidFill>
+              <a:srgbClr val="000000"/>
+            </a:solidFill>
+            <a:prstDash val="solid"/>
+            <a:round/>
+            <a:headEnd type="none" w="med" len="med"/>
+            <a:tailEnd type="none" w="med" len="med"/>
+          </a:ln>
+        </p:spPr>
+      </p:sp>
+      <p:sp>
+        <p:nvSpPr>
+          <p:cNvPr id="33" name="Shape 33"/>
+          <p:cNvSpPr txBox="1">
+            <a:spLocks noGrp="1"/>
+          </p:cNvSpPr>
+          <p:nvPr>
+            <p:ph type="body" idx="1"/>
+          </p:nvPr>
+        </p:nvSpPr>
+        <p:spPr>
+          <a:xfrm>
+            <a:off x="685800" y="4343400"/>
+            <a:ext cx="5486399" cy="4114800"/>
+          </a:xfrm>
+          <a:prstGeom prst="rect">
+            <a:avLst/>
+          </a:prstGeom>
+        </p:spPr>
+        <p:txBody>
+          <a:bodyPr lIns="91425" tIns="91425" rIns="91425" bIns="91425" anchor="t" anchorCtr="0">
+            <a:noAutofit/>
+          </a:bodyPr>
+          <a:lstStyle/>
+          <a:p>
+            <a:pPr>
+              <a:spcBef>
+                <a:spcPts val="0"/>
+              </a:spcBef>
+              <a:buNone/>
+            </a:pPr>
+            <a:endParaRPr/>
+          </a:p>
+        </p:txBody>
+      </p:sp>
+    </p:spTree>
+  </p:cSld>
+  <p:clrMapOvr>
+    <a:masterClrMapping/>
+  </p:clrMapOvr>
+</p:notes>
+</file>
+
+<file path=ppt/notesSlides/notesSlide7.xml><?xml version="1.0" encoding="utf-8"?>
+<p:notes xmlns:a="http://schemas.openxmlformats.org/drawingml/2006/main" xmlns:r="http://schemas.openxmlformats.org/officeDocument/2006/relationships" xmlns:p="http://schemas.openxmlformats.org/presentationml/2006/main" showMasterSp="0" showMasterPhAnim="0">
+  <p:cSld>
+    <p:spTree>
+      <p:nvGrpSpPr>
+        <p:cNvPr id="1" name="Shape 31"/>
+        <p:cNvGrpSpPr/>
+        <p:nvPr/>
+      </p:nvGrpSpPr>
+      <p:grpSpPr>
+        <a:xfrm>
+          <a:off x="0" y="0"/>
+          <a:ext cx="0" cy="0"/>
+          <a:chOff x="0" y="0"/>
+          <a:chExt cx="0" cy="0"/>
+        </a:xfrm>
+      </p:grpSpPr>
+      <p:sp>
+        <p:nvSpPr>
+          <p:cNvPr id="32" name="Shape 32"/>
+          <p:cNvSpPr>
+            <a:spLocks noGrp="1" noRot="1" noChangeAspect="1"/>
+          </p:cNvSpPr>
+          <p:nvPr>
+            <p:ph type="sldImg" idx="2"/>
+          </p:nvPr>
+        </p:nvSpPr>
+        <p:spPr>
+          <a:xfrm>
+            <a:off x="1143000" y="685800"/>
+            <a:ext cx="4572000" cy="3429000"/>
+          </a:xfrm>
+          <a:custGeom>
+            <a:avLst/>
+            <a:gdLst/>
+            <a:ahLst/>
+            <a:cxnLst/>
+            <a:rect l="0" t="0" r="0" b="0"/>
+            <a:pathLst>
+              <a:path w="120000" h="120000" extrusionOk="0">
+                <a:moveTo>
+                  <a:pt x="0" y="0"/>
+                </a:moveTo>
+                <a:lnTo>
+                  <a:pt x="120000" y="0"/>
+                </a:lnTo>
+                <a:lnTo>
+                  <a:pt x="120000" y="120000"/>
+                </a:lnTo>
+                <a:lnTo>
+                  <a:pt x="0" y="120000"/>
+                </a:lnTo>
+                <a:close/>
+              </a:path>
+            </a:pathLst>
+          </a:custGeom>
+          <a:noFill/>
+          <a:ln w="9525" cap="flat">
+            <a:solidFill>
+              <a:srgbClr val="000000"/>
+            </a:solidFill>
+            <a:prstDash val="solid"/>
+            <a:round/>
+            <a:headEnd type="none" w="med" len="med"/>
+            <a:tailEnd type="none" w="med" len="med"/>
+          </a:ln>
+        </p:spPr>
+      </p:sp>
+      <p:sp>
+        <p:nvSpPr>
+          <p:cNvPr id="33" name="Shape 33"/>
+          <p:cNvSpPr txBox="1">
+            <a:spLocks noGrp="1"/>
+          </p:cNvSpPr>
+          <p:nvPr>
+            <p:ph type="body" idx="1"/>
+          </p:nvPr>
+        </p:nvSpPr>
+        <p:spPr>
+          <a:xfrm>
+            <a:off x="685800" y="4343400"/>
+            <a:ext cx="5486399" cy="4114800"/>
+          </a:xfrm>
+          <a:prstGeom prst="rect">
+            <a:avLst/>
+          </a:prstGeom>
+        </p:spPr>
+        <p:txBody>
+          <a:bodyPr lIns="91425" tIns="91425" rIns="91425" bIns="91425" anchor="t" anchorCtr="0">
+            <a:noAutofit/>
+          </a:bodyPr>
+          <a:lstStyle/>
+          <a:p>
+            <a:pPr>
+              <a:spcBef>
+                <a:spcPts val="0"/>
+              </a:spcBef>
+              <a:buNone/>
+            </a:pPr>
+            <a:endParaRPr/>
+          </a:p>
+        </p:txBody>
+      </p:sp>
+    </p:spTree>
+  </p:cSld>
+  <p:clrMapOvr>
+    <a:masterClrMapping/>
+  </p:clrMapOvr>
+</p:notes>
+</file>
+
+<file path=ppt/notesSlides/notesSlide8.xml><?xml version="1.0" encoding="utf-8"?>
+<p:notes xmlns:a="http://schemas.openxmlformats.org/drawingml/2006/main" xmlns:r="http://schemas.openxmlformats.org/officeDocument/2006/relationships" xmlns:p="http://schemas.openxmlformats.org/presentationml/2006/main" showMasterSp="0" showMasterPhAnim="0">
+  <p:cSld>
+    <p:spTree>
+      <p:nvGrpSpPr>
+        <p:cNvPr id="1" name="Shape 31"/>
+        <p:cNvGrpSpPr/>
+        <p:nvPr/>
+      </p:nvGrpSpPr>
+      <p:grpSpPr>
+        <a:xfrm>
+          <a:off x="0" y="0"/>
+          <a:ext cx="0" cy="0"/>
+          <a:chOff x="0" y="0"/>
+          <a:chExt cx="0" cy="0"/>
+        </a:xfrm>
+      </p:grpSpPr>
+      <p:sp>
+        <p:nvSpPr>
+          <p:cNvPr id="32" name="Shape 32"/>
+          <p:cNvSpPr>
+            <a:spLocks noGrp="1" noRot="1" noChangeAspect="1"/>
+          </p:cNvSpPr>
+          <p:nvPr>
+            <p:ph type="sldImg" idx="2"/>
+          </p:nvPr>
+        </p:nvSpPr>
+        <p:spPr>
+          <a:xfrm>
+            <a:off x="1143000" y="685800"/>
+            <a:ext cx="4572000" cy="3429000"/>
+          </a:xfrm>
+          <a:custGeom>
+            <a:avLst/>
+            <a:gdLst/>
+            <a:ahLst/>
+            <a:cxnLst/>
+            <a:rect l="0" t="0" r="0" b="0"/>
+            <a:pathLst>
+              <a:path w="120000" h="120000" extrusionOk="0">
+                <a:moveTo>
+                  <a:pt x="0" y="0"/>
+                </a:moveTo>
+                <a:lnTo>
+                  <a:pt x="120000" y="0"/>
+                </a:lnTo>
+                <a:lnTo>
+                  <a:pt x="120000" y="120000"/>
+                </a:lnTo>
+                <a:lnTo>
+                  <a:pt x="0" y="120000"/>
+                </a:lnTo>
+                <a:close/>
+              </a:path>
+            </a:pathLst>
+          </a:custGeom>
+          <a:noFill/>
+          <a:ln w="9525" cap="flat">
+            <a:solidFill>
+              <a:srgbClr val="000000"/>
+            </a:solidFill>
+            <a:prstDash val="solid"/>
+            <a:round/>
+            <a:headEnd type="none" w="med" len="med"/>
+            <a:tailEnd type="none" w="med" len="med"/>
+          </a:ln>
+        </p:spPr>
+      </p:sp>
+      <p:sp>
+        <p:nvSpPr>
+          <p:cNvPr id="33" name="Shape 33"/>
+          <p:cNvSpPr txBox="1">
+            <a:spLocks noGrp="1"/>
+          </p:cNvSpPr>
+          <p:nvPr>
+            <p:ph type="body" idx="1"/>
+          </p:nvPr>
+        </p:nvSpPr>
+        <p:spPr>
+          <a:xfrm>
+            <a:off x="685800" y="4343400"/>
+            <a:ext cx="5486399" cy="4114800"/>
+          </a:xfrm>
+          <a:prstGeom prst="rect">
+            <a:avLst/>
+          </a:prstGeom>
+        </p:spPr>
+        <p:txBody>
+          <a:bodyPr lIns="91425" tIns="91425" rIns="91425" bIns="91425" anchor="t" anchorCtr="0">
+            <a:noAutofit/>
+          </a:bodyPr>
+          <a:lstStyle/>
+          <a:p>
+            <a:pPr>
+              <a:spcBef>
+                <a:spcPts val="0"/>
+              </a:spcBef>
+              <a:buNone/>
+            </a:pPr>
+            <a:endParaRPr/>
+          </a:p>
+        </p:txBody>
+      </p:sp>
+    </p:spTree>
+  </p:cSld>
+  <p:clrMapOvr>
+    <a:masterClrMapping/>
+  </p:clrMapOvr>
+</p:notes>
+</file>
+
+<file path=ppt/notesSlides/notesSlide9.xml><?xml version="1.0" encoding="utf-8"?>
+<p:notes xmlns:a="http://schemas.openxmlformats.org/drawingml/2006/main" xmlns:r="http://schemas.openxmlformats.org/officeDocument/2006/relationships" xmlns:p="http://schemas.openxmlformats.org/presentationml/2006/main" showMasterSp="0" showMasterPhAnim="0">
+  <p:cSld>
+    <p:spTree>
+      <p:nvGrpSpPr>
+        <p:cNvPr id="1" name="Shape 31"/>
+        <p:cNvGrpSpPr/>
+        <p:nvPr/>
+      </p:nvGrpSpPr>
+      <p:grpSpPr>
+        <a:xfrm>
+          <a:off x="0" y="0"/>
+          <a:ext cx="0" cy="0"/>
+          <a:chOff x="0" y="0"/>
+          <a:chExt cx="0" cy="0"/>
+        </a:xfrm>
+      </p:grpSpPr>
+      <p:sp>
+        <p:nvSpPr>
+          <p:cNvPr id="32" name="Shape 32"/>
+          <p:cNvSpPr>
+            <a:spLocks noGrp="1" noRot="1" noChangeAspect="1"/>
+          </p:cNvSpPr>
+          <p:nvPr>
+            <p:ph type="sldImg" idx="2"/>
+          </p:nvPr>
+        </p:nvSpPr>
+        <p:spPr>
+          <a:xfrm>
+            <a:off x="1143000" y="685800"/>
+            <a:ext cx="4572000" cy="3429000"/>
+          </a:xfrm>
+          <a:custGeom>
+            <a:avLst/>
+            <a:gdLst/>
+            <a:ahLst/>
+            <a:cxnLst/>
+            <a:rect l="0" t="0" r="0" b="0"/>
+            <a:pathLst>
+              <a:path w="120000" h="120000" extrusionOk="0">
+                <a:moveTo>
+                  <a:pt x="0" y="0"/>
+                </a:moveTo>
+                <a:lnTo>
+                  <a:pt x="120000" y="0"/>
+                </a:lnTo>
+                <a:lnTo>
+                  <a:pt x="120000" y="120000"/>
+                </a:lnTo>
+                <a:lnTo>
+                  <a:pt x="0" y="120000"/>
+                </a:lnTo>
+                <a:close/>
+              </a:path>
+            </a:pathLst>
+          </a:custGeom>
+          <a:noFill/>
+          <a:ln w="9525" cap="flat">
+            <a:solidFill>
+              <a:srgbClr val="000000"/>
+            </a:solidFill>
+            <a:prstDash val="solid"/>
+            <a:round/>
+            <a:headEnd type="none" w="med" len="med"/>
+            <a:tailEnd type="none" w="med" len="med"/>
+          </a:ln>
+        </p:spPr>
+      </p:sp>
+      <p:sp>
+        <p:nvSpPr>
+          <p:cNvPr id="33" name="Shape 33"/>
+          <p:cNvSpPr txBox="1">
+            <a:spLocks noGrp="1"/>
+          </p:cNvSpPr>
+          <p:nvPr>
+            <p:ph type="body" idx="1"/>
+          </p:nvPr>
+        </p:nvSpPr>
+        <p:spPr>
+          <a:xfrm>
+            <a:off x="685800" y="4343400"/>
+            <a:ext cx="5486399" cy="4114800"/>
+          </a:xfrm>
+          <a:prstGeom prst="rect">
+            <a:avLst/>
+          </a:prstGeom>
+        </p:spPr>
+        <p:txBody>
+          <a:bodyPr lIns="91425" tIns="91425" rIns="91425" bIns="91425" anchor="t" anchorCtr="0">
+            <a:noAutofit/>
+          </a:bodyPr>
+          <a:lstStyle/>
+          <a:p>
+            <a:pPr>
+              <a:spcBef>
+                <a:spcPts val="0"/>
+              </a:spcBef>
+              <a:buNone/>
+            </a:pPr>
+            <a:endParaRPr/>
+          </a:p>
+        </p:txBody>
+      </p:sp>
+    </p:spTree>
+  </p:cSld>
+  <p:clrMapOvr>
+    <a:masterClrMapping/>
+  </p:clrMapOvr>
+</p:notes>
+</file>
+
 <file path=ppt/slideLayouts/slideLayout1.xml><?xml version="1.0" encoding="utf-8"?>
 <p:sldLayout xmlns:a="http://schemas.openxmlformats.org/drawingml/2006/main" xmlns:r="http://schemas.openxmlformats.org/officeDocument/2006/relationships" xmlns:p="http://schemas.openxmlformats.org/presentationml/2006/main" type="title" preserve="1">
   <p:cSld name="Title Slide">
@@ -1985,7 +2545,7 @@
           <a:p>
             <a:fld id="{7C780E36-1438-D74D-8D9C-3089FABA7E39}" type="datetimeFigureOut">
               <a:rPr lang="en-US" smtClean="0"/>
-              <a:t>6/3/16</a:t>
+              <a:t>6/14/16</a:t>
             </a:fld>
             <a:endParaRPr lang="en-US"/>
           </a:p>
@@ -2155,7 +2715,7 @@
           <a:p>
             <a:fld id="{7C780E36-1438-D74D-8D9C-3089FABA7E39}" type="datetimeFigureOut">
               <a:rPr lang="en-US" smtClean="0"/>
-              <a:t>6/3/16</a:t>
+              <a:t>6/14/16</a:t>
             </a:fld>
             <a:endParaRPr lang="en-US"/>
           </a:p>
@@ -2335,7 +2895,7 @@
           <a:p>
             <a:fld id="{7C780E36-1438-D74D-8D9C-3089FABA7E39}" type="datetimeFigureOut">
               <a:rPr lang="en-US" smtClean="0"/>
-              <a:t>6/3/16</a:t>
+              <a:t>6/14/16</a:t>
             </a:fld>
             <a:endParaRPr lang="en-US"/>
           </a:p>
@@ -2810,7 +3370,7 @@
           <a:p>
             <a:fld id="{7C780E36-1438-D74D-8D9C-3089FABA7E39}" type="datetimeFigureOut">
               <a:rPr lang="en-US" smtClean="0"/>
-              <a:t>6/3/16</a:t>
+              <a:t>6/14/16</a:t>
             </a:fld>
             <a:endParaRPr lang="en-US"/>
           </a:p>
@@ -3056,7 +3616,7 @@
           <a:p>
             <a:fld id="{7C780E36-1438-D74D-8D9C-3089FABA7E39}" type="datetimeFigureOut">
               <a:rPr lang="en-US" smtClean="0"/>
-              <a:t>6/3/16</a:t>
+              <a:t>6/14/16</a:t>
             </a:fld>
             <a:endParaRPr lang="en-US"/>
           </a:p>
@@ -3344,7 +3904,7 @@
           <a:p>
             <a:fld id="{7C780E36-1438-D74D-8D9C-3089FABA7E39}" type="datetimeFigureOut">
               <a:rPr lang="en-US" smtClean="0"/>
-              <a:t>6/3/16</a:t>
+              <a:t>6/14/16</a:t>
             </a:fld>
             <a:endParaRPr lang="en-US"/>
           </a:p>
@@ -3766,7 +4326,7 @@
           <a:p>
             <a:fld id="{7C780E36-1438-D74D-8D9C-3089FABA7E39}" type="datetimeFigureOut">
               <a:rPr lang="en-US" smtClean="0"/>
-              <a:t>6/3/16</a:t>
+              <a:t>6/14/16</a:t>
             </a:fld>
             <a:endParaRPr lang="en-US"/>
           </a:p>
@@ -3884,7 +4444,7 @@
           <a:p>
             <a:fld id="{7C780E36-1438-D74D-8D9C-3089FABA7E39}" type="datetimeFigureOut">
               <a:rPr lang="en-US" smtClean="0"/>
-              <a:t>6/3/16</a:t>
+              <a:t>6/14/16</a:t>
             </a:fld>
             <a:endParaRPr lang="en-US"/>
           </a:p>
@@ -3979,7 +4539,7 @@
           <a:p>
             <a:fld id="{7C780E36-1438-D74D-8D9C-3089FABA7E39}" type="datetimeFigureOut">
               <a:rPr lang="en-US" smtClean="0"/>
-              <a:t>6/3/16</a:t>
+              <a:t>6/14/16</a:t>
             </a:fld>
             <a:endParaRPr lang="en-US"/>
           </a:p>
@@ -4256,7 +4816,7 @@
           <a:p>
             <a:fld id="{7C780E36-1438-D74D-8D9C-3089FABA7E39}" type="datetimeFigureOut">
               <a:rPr lang="en-US" smtClean="0"/>
-              <a:t>6/3/16</a:t>
+              <a:t>6/14/16</a:t>
             </a:fld>
             <a:endParaRPr lang="en-US"/>
           </a:p>
@@ -4509,7 +5069,7 @@
           <a:p>
             <a:fld id="{7C780E36-1438-D74D-8D9C-3089FABA7E39}" type="datetimeFigureOut">
               <a:rPr lang="en-US" smtClean="0"/>
-              <a:t>6/3/16</a:t>
+              <a:t>6/14/16</a:t>
             </a:fld>
             <a:endParaRPr lang="en-US"/>
           </a:p>
@@ -4722,7 +5282,7 @@
           <a:p>
             <a:fld id="{7C780E36-1438-D74D-8D9C-3089FABA7E39}" type="datetimeFigureOut">
               <a:rPr lang="en-US" smtClean="0"/>
-              <a:t>6/3/16</a:t>
+              <a:t>6/14/16</a:t>
             </a:fld>
             <a:endParaRPr lang="en-US"/>
           </a:p>
@@ -5267,7 +5827,7 @@
                 <a:latin typeface="Yanone Kaffeesatz Bold"/>
                 <a:cs typeface="Yanone Kaffeesatz Bold"/>
               </a:rPr>
-              <a:t>Reading</a:t>
+              <a:t>Methods</a:t>
             </a:r>
             <a:endParaRPr lang="en" sz="7200" dirty="0">
               <a:solidFill>
@@ -5315,37 +5875,33 @@
               <a:buNone/>
             </a:pPr>
             <a:r>
-              <a:rPr lang="en-US" dirty="0" smtClean="0"/>
-              <a:t>Tanya X Short, “Overcoming Impostor’s </a:t>
-            </a:r>
-            <a:r>
-              <a:rPr lang="en-US" dirty="0"/>
-              <a:t>Syndrome” http://</a:t>
-            </a:r>
-            <a:r>
-              <a:rPr lang="en-US" dirty="0" err="1"/>
-              <a:t>www.gamasutra.com</a:t>
-            </a:r>
-            <a:r>
-              <a:rPr lang="en-US" dirty="0"/>
-              <a:t>/blogs/</a:t>
-            </a:r>
-            <a:r>
-              <a:rPr lang="en-US" dirty="0" err="1"/>
-              <a:t>TanyaXShort</a:t>
-            </a:r>
-            <a:r>
-              <a:rPr lang="en-US" dirty="0"/>
-              <a:t>/20140716/220938/</a:t>
-            </a:r>
-            <a:r>
-              <a:rPr lang="en-US" dirty="0" err="1"/>
-              <a:t>Overcoming_Impostors_Syndrome.php</a:t>
-            </a:r>
-            <a:endParaRPr lang="en-US" dirty="0" smtClean="0"/>
-          </a:p>
-          <a:p>
-            <a:pPr marL="457200" lvl="0" indent="-419100">
+              <a:rPr lang="en-US" sz="2400" dirty="0" err="1" smtClean="0"/>
+              <a:t>def</a:t>
+            </a:r>
+            <a:r>
+              <a:rPr lang="en-US" sz="2400" dirty="0" smtClean="0"/>
+              <a:t> </a:t>
+            </a:r>
+            <a:r>
+              <a:rPr lang="en-US" sz="2400" dirty="0" err="1" smtClean="0"/>
+              <a:t>method_name</a:t>
+            </a:r>
+            <a:r>
+              <a:rPr lang="en-US" sz="2400" dirty="0" smtClean="0"/>
+              <a:t>(</a:t>
+            </a:r>
+            <a:r>
+              <a:rPr lang="en-US" sz="2400" dirty="0" err="1" smtClean="0"/>
+              <a:t>a_local_variable</a:t>
+            </a:r>
+            <a:r>
+              <a:rPr lang="en-US" sz="2400" smtClean="0"/>
+              <a:t>)</a:t>
+            </a:r>
+            <a:endParaRPr lang="en-US" sz="2400" dirty="0" smtClean="0"/>
+          </a:p>
+          <a:p>
+            <a:pPr marL="38100" lvl="0" indent="0">
               <a:lnSpc>
                 <a:spcPct val="130000"/>
               </a:lnSpc>
@@ -5353,17 +5909,151 @@
                 <a:schemeClr val="dk1"/>
               </a:buClr>
               <a:buSzPct val="100000"/>
-              <a:buFont typeface="Arial"/>
-              <a:buChar char="●"/>
-            </a:pPr>
-            <a:endParaRPr lang="en-US" dirty="0"/>
+              <a:buNone/>
+            </a:pPr>
+            <a:r>
+              <a:rPr lang="en-US" sz="2400" dirty="0" smtClean="0"/>
+              <a:t>		</a:t>
+            </a:r>
+            <a:r>
+              <a:rPr lang="en-US" sz="2400" dirty="0" err="1" smtClean="0"/>
+              <a:t>a_local_variable</a:t>
+            </a:r>
+            <a:r>
+              <a:rPr lang="en-US" sz="2400" dirty="0" smtClean="0"/>
+              <a:t> exists here</a:t>
+            </a:r>
+            <a:r>
+              <a:rPr lang="en-US" sz="2400" dirty="0" smtClean="0"/>
+              <a:t>!</a:t>
+            </a:r>
+          </a:p>
+          <a:p>
+            <a:pPr marL="38100" lvl="0" indent="0">
+              <a:lnSpc>
+                <a:spcPct val="130000"/>
+              </a:lnSpc>
+              <a:buClr>
+                <a:schemeClr val="dk1"/>
+              </a:buClr>
+              <a:buSzPct val="100000"/>
+              <a:buNone/>
+            </a:pPr>
+            <a:r>
+              <a:rPr lang="en-US" sz="2400" dirty="0" smtClean="0"/>
+              <a:t>	end</a:t>
+            </a:r>
+            <a:endParaRPr lang="en-US" sz="2400" dirty="0" smtClean="0"/>
+          </a:p>
+          <a:p>
+            <a:pPr marL="38100" lvl="0" indent="0">
+              <a:lnSpc>
+                <a:spcPct val="130000"/>
+              </a:lnSpc>
+              <a:buClr>
+                <a:schemeClr val="dk1"/>
+              </a:buClr>
+              <a:buSzPct val="100000"/>
+              <a:buNone/>
+            </a:pPr>
+            <a:endParaRPr lang="en-US" sz="2400" dirty="0"/>
+          </a:p>
+          <a:p>
+            <a:pPr marL="38100" lvl="0" indent="0">
+              <a:lnSpc>
+                <a:spcPct val="130000"/>
+              </a:lnSpc>
+              <a:buClr>
+                <a:schemeClr val="dk1"/>
+              </a:buClr>
+              <a:buSzPct val="100000"/>
+              <a:buNone/>
+            </a:pPr>
+            <a:r>
+              <a:rPr lang="en-US" sz="2400" dirty="0" err="1"/>
+              <a:t>m</a:t>
+            </a:r>
+            <a:r>
+              <a:rPr lang="en-US" sz="2400" dirty="0" err="1" smtClean="0"/>
+              <a:t>ethod_name</a:t>
+            </a:r>
+            <a:r>
+              <a:rPr lang="en-US" sz="2400" dirty="0" smtClean="0"/>
+              <a:t>(</a:t>
+            </a:r>
+            <a:r>
+              <a:rPr lang="en-US" sz="2400" dirty="0" err="1" smtClean="0"/>
+              <a:t>example_method</a:t>
+            </a:r>
+            <a:r>
+              <a:rPr lang="en-US" sz="2400" dirty="0" smtClean="0"/>
+              <a:t>)</a:t>
+            </a:r>
+          </a:p>
+          <a:p>
+            <a:pPr marL="38100" lvl="0" indent="0">
+              <a:lnSpc>
+                <a:spcPct val="130000"/>
+              </a:lnSpc>
+              <a:buClr>
+                <a:schemeClr val="dk1"/>
+              </a:buClr>
+              <a:buSzPct val="100000"/>
+              <a:buNone/>
+            </a:pPr>
+            <a:endParaRPr lang="en-US" sz="2400" dirty="0" smtClean="0"/>
+          </a:p>
+          <a:p>
+            <a:pPr marL="38100" lvl="0" indent="0">
+              <a:lnSpc>
+                <a:spcPct val="130000"/>
+              </a:lnSpc>
+              <a:buClr>
+                <a:schemeClr val="dk1"/>
+              </a:buClr>
+              <a:buSzPct val="100000"/>
+              <a:buNone/>
+            </a:pPr>
+            <a:r>
+              <a:rPr lang="en-US" sz="2400" dirty="0" smtClean="0"/>
+              <a:t>Here, </a:t>
+            </a:r>
+            <a:r>
+              <a:rPr lang="en-US" sz="2400" dirty="0" err="1" smtClean="0"/>
+              <a:t>example_method</a:t>
+            </a:r>
+            <a:r>
+              <a:rPr lang="en-US" sz="2400" dirty="0" smtClean="0"/>
+              <a:t> gets passed to the function </a:t>
+            </a:r>
+            <a:r>
+              <a:rPr lang="en-US" sz="2400" dirty="0" err="1" smtClean="0"/>
+              <a:t>method_name</a:t>
+            </a:r>
+            <a:r>
+              <a:rPr lang="en-US" sz="2400" dirty="0" smtClean="0"/>
+              <a:t>. for the scope of that function, </a:t>
+            </a:r>
+            <a:r>
+              <a:rPr lang="en-US" sz="2400" dirty="0" err="1" smtClean="0"/>
+              <a:t>a_local_variable</a:t>
+            </a:r>
+            <a:r>
+              <a:rPr lang="en-US" sz="2400" dirty="0" smtClean="0"/>
+              <a:t> is set equal to </a:t>
+            </a:r>
+            <a:r>
+              <a:rPr lang="en-US" sz="2400" dirty="0" err="1" smtClean="0"/>
+              <a:t>example_method</a:t>
+            </a:r>
+            <a:endParaRPr lang="en-US" sz="2400" dirty="0"/>
           </a:p>
         </p:txBody>
       </p:sp>
     </p:spTree>
     <p:extLst>
       <p:ext uri="{BB962C8B-B14F-4D97-AF65-F5344CB8AC3E}">
-        <p14:creationId xmlns:p14="http://schemas.microsoft.com/office/powerpoint/2010/main" val="1474808441"/>
+        <p14:creationId xmlns:p14="http://schemas.microsoft.com/office/powerpoint/2010/main" val="3411398437"/>
       </p:ext>
     </p:extLst>
   </p:cSld>
@@ -5439,7 +6129,357 @@
                 <a:latin typeface="Yanone Kaffeesatz Bold"/>
                 <a:cs typeface="Yanone Kaffeesatz Bold"/>
               </a:rPr>
-              <a:t>Plan</a:t>
+              <a:t>Methods</a:t>
+            </a:r>
+            <a:endParaRPr lang="en" sz="7200" dirty="0">
+              <a:solidFill>
+                <a:srgbClr val="FF0000"/>
+              </a:solidFill>
+              <a:latin typeface="Yanone Kaffeesatz Bold"/>
+              <a:cs typeface="Yanone Kaffeesatz Bold"/>
+            </a:endParaRPr>
+          </a:p>
+        </p:txBody>
+      </p:sp>
+      <p:sp>
+        <p:nvSpPr>
+          <p:cNvPr id="30" name="Shape 30"/>
+          <p:cNvSpPr txBox="1">
+            <a:spLocks noGrp="1"/>
+          </p:cNvSpPr>
+          <p:nvPr>
+            <p:ph type="body" idx="1"/>
+          </p:nvPr>
+        </p:nvSpPr>
+        <p:spPr>
+          <a:xfrm>
+            <a:off x="457200" y="1600200"/>
+            <a:ext cx="8229600" cy="4967700"/>
+          </a:xfrm>
+          <a:prstGeom prst="rect">
+            <a:avLst/>
+          </a:prstGeom>
+        </p:spPr>
+        <p:txBody>
+          <a:bodyPr lIns="91425" tIns="91425" rIns="91425" bIns="91425" anchor="t" anchorCtr="0">
+            <a:noAutofit/>
+          </a:bodyPr>
+          <a:lstStyle/>
+          <a:p>
+            <a:pPr marL="38100" lvl="0" indent="0">
+              <a:lnSpc>
+                <a:spcPct val="130000"/>
+              </a:lnSpc>
+              <a:buClr>
+                <a:schemeClr val="dk1"/>
+              </a:buClr>
+              <a:buSzPct val="100000"/>
+              <a:buNone/>
+            </a:pPr>
+            <a:r>
+              <a:rPr lang="en-US" sz="2400" dirty="0" err="1" smtClean="0"/>
+              <a:t>def</a:t>
+            </a:r>
+            <a:r>
+              <a:rPr lang="en-US" sz="2400" dirty="0" smtClean="0"/>
+              <a:t> </a:t>
+            </a:r>
+            <a:r>
+              <a:rPr lang="en-US" sz="2400" dirty="0" err="1" smtClean="0"/>
+              <a:t>method_name</a:t>
+            </a:r>
+            <a:r>
+              <a:rPr lang="en-US" sz="2400" dirty="0" smtClean="0"/>
+              <a:t>(</a:t>
+            </a:r>
+            <a:r>
+              <a:rPr lang="en-US" sz="2400" dirty="0" err="1" smtClean="0"/>
+              <a:t>a_local_variable</a:t>
+            </a:r>
+            <a:r>
+              <a:rPr lang="en-US" sz="2400" dirty="0" smtClean="0"/>
+              <a:t>):</a:t>
+            </a:r>
+          </a:p>
+          <a:p>
+            <a:pPr marL="38100" lvl="0" indent="0">
+              <a:lnSpc>
+                <a:spcPct val="130000"/>
+              </a:lnSpc>
+              <a:buClr>
+                <a:schemeClr val="dk1"/>
+              </a:buClr>
+              <a:buSzPct val="100000"/>
+              <a:buNone/>
+            </a:pPr>
+            <a:r>
+              <a:rPr lang="en-US" sz="2400" dirty="0" smtClean="0"/>
+              <a:t>		</a:t>
+            </a:r>
+            <a:r>
+              <a:rPr lang="en-US" sz="2400" dirty="0" err="1" smtClean="0"/>
+              <a:t>a_local_variable</a:t>
+            </a:r>
+            <a:r>
+              <a:rPr lang="en-US" sz="2400" dirty="0" smtClean="0"/>
+              <a:t> exists here!</a:t>
+            </a:r>
+          </a:p>
+          <a:p>
+            <a:pPr marL="38100" lvl="0" indent="0">
+              <a:lnSpc>
+                <a:spcPct val="130000"/>
+              </a:lnSpc>
+              <a:buClr>
+                <a:schemeClr val="dk1"/>
+              </a:buClr>
+              <a:buSzPct val="100000"/>
+              <a:buNone/>
+            </a:pPr>
+            <a:r>
+              <a:rPr lang="en-US" sz="2400" dirty="0" smtClean="0"/>
+              <a:t>end</a:t>
+            </a:r>
+          </a:p>
+          <a:p>
+            <a:pPr marL="38100" lvl="0" indent="0">
+              <a:lnSpc>
+                <a:spcPct val="130000"/>
+              </a:lnSpc>
+              <a:buClr>
+                <a:schemeClr val="dk1"/>
+              </a:buClr>
+              <a:buSzPct val="100000"/>
+              <a:buNone/>
+            </a:pPr>
+            <a:endParaRPr lang="en-US" sz="2400" dirty="0"/>
+          </a:p>
+          <a:p>
+            <a:pPr marL="38100" lvl="0" indent="0">
+              <a:lnSpc>
+                <a:spcPct val="130000"/>
+              </a:lnSpc>
+              <a:buClr>
+                <a:schemeClr val="dk1"/>
+              </a:buClr>
+              <a:buSzPct val="100000"/>
+              <a:buNone/>
+            </a:pPr>
+            <a:r>
+              <a:rPr lang="en-US" sz="2400" dirty="0" err="1"/>
+              <a:t>m</a:t>
+            </a:r>
+            <a:r>
+              <a:rPr lang="en-US" sz="2400" dirty="0" err="1" smtClean="0"/>
+              <a:t>ethod_name</a:t>
+            </a:r>
+            <a:r>
+              <a:rPr lang="en-US" sz="2400" dirty="0" smtClean="0"/>
+              <a:t>(</a:t>
+            </a:r>
+            <a:r>
+              <a:rPr lang="en-US" sz="2400" dirty="0" err="1" smtClean="0"/>
+              <a:t>example_method</a:t>
+            </a:r>
+            <a:r>
+              <a:rPr lang="en-US" sz="2400" dirty="0" smtClean="0"/>
+              <a:t>)</a:t>
+            </a:r>
+          </a:p>
+          <a:p>
+            <a:pPr marL="38100" lvl="0" indent="0">
+              <a:lnSpc>
+                <a:spcPct val="130000"/>
+              </a:lnSpc>
+              <a:buClr>
+                <a:schemeClr val="dk1"/>
+              </a:buClr>
+              <a:buSzPct val="100000"/>
+              <a:buNone/>
+            </a:pPr>
+            <a:endParaRPr lang="en-US" sz="2400" dirty="0" smtClean="0"/>
+          </a:p>
+        </p:txBody>
+      </p:sp>
+    </p:spTree>
+    <p:extLst>
+      <p:ext uri="{BB962C8B-B14F-4D97-AF65-F5344CB8AC3E}">
+        <p14:creationId xmlns:p14="http://schemas.microsoft.com/office/powerpoint/2010/main" val="2554184438"/>
+      </p:ext>
+    </p:extLst>
+  </p:cSld>
+  <p:clrMapOvr>
+    <a:masterClrMapping/>
+  </p:clrMapOvr>
+  <p:transition xmlns:p14="http://schemas.microsoft.com/office/powerpoint/2010/main" spd="slow">
+    <p:cut/>
+  </p:transition>
+  <p:timing>
+    <p:tnLst>
+      <p:par>
+        <p:cTn xmlns:p14="http://schemas.microsoft.com/office/powerpoint/2010/main" id="1" dur="indefinite" restart="never" nodeType="tmRoot"/>
+      </p:par>
+    </p:tnLst>
+  </p:timing>
+</p:sld>
+</file>
+
+<file path=ppt/slides/slide12.xml><?xml version="1.0" encoding="utf-8"?>
+<p:sld xmlns:a="http://schemas.openxmlformats.org/drawingml/2006/main" xmlns:r="http://schemas.openxmlformats.org/officeDocument/2006/relationships" xmlns:p="http://schemas.openxmlformats.org/presentationml/2006/main">
+  <p:cSld>
+    <p:spTree>
+      <p:nvGrpSpPr>
+        <p:cNvPr id="1" name=""/>
+        <p:cNvGrpSpPr/>
+        <p:nvPr/>
+      </p:nvGrpSpPr>
+      <p:grpSpPr>
+        <a:xfrm>
+          <a:off x="0" y="0"/>
+          <a:ext cx="0" cy="0"/>
+          <a:chOff x="0" y="0"/>
+          <a:chExt cx="0" cy="0"/>
+        </a:xfrm>
+      </p:grpSpPr>
+      <p:sp>
+        <p:nvSpPr>
+          <p:cNvPr id="2" name="Title 1"/>
+          <p:cNvSpPr>
+            <a:spLocks noGrp="1"/>
+          </p:cNvSpPr>
+          <p:nvPr>
+            <p:ph type="title"/>
+          </p:nvPr>
+        </p:nvSpPr>
+        <p:spPr/>
+        <p:txBody>
+          <a:bodyPr/>
+          <a:lstStyle/>
+          <a:p>
+            <a:endParaRPr lang="en-US"/>
+          </a:p>
+        </p:txBody>
+      </p:sp>
+      <p:sp>
+        <p:nvSpPr>
+          <p:cNvPr id="3" name="Text Placeholder 2"/>
+          <p:cNvSpPr>
+            <a:spLocks noGrp="1"/>
+          </p:cNvSpPr>
+          <p:nvPr>
+            <p:ph type="body" idx="1"/>
+          </p:nvPr>
+        </p:nvSpPr>
+        <p:spPr/>
+        <p:txBody>
+          <a:bodyPr/>
+          <a:lstStyle/>
+          <a:p>
+            <a:endParaRPr lang="en-US"/>
+          </a:p>
+        </p:txBody>
+      </p:sp>
+      <p:pic>
+        <p:nvPicPr>
+          <p:cNvPr id="4" name="Picture 3"/>
+          <p:cNvPicPr>
+            <a:picLocks noChangeAspect="1"/>
+          </p:cNvPicPr>
+          <p:nvPr/>
+        </p:nvPicPr>
+        <p:blipFill>
+          <a:blip r:embed="rId2"/>
+          <a:stretch>
+            <a:fillRect/>
+          </a:stretch>
+        </p:blipFill>
+        <p:spPr>
+          <a:xfrm>
+            <a:off x="0" y="660400"/>
+            <a:ext cx="9144000" cy="5513659"/>
+          </a:xfrm>
+          <a:prstGeom prst="rect">
+            <a:avLst/>
+          </a:prstGeom>
+        </p:spPr>
+      </p:pic>
+    </p:spTree>
+    <p:extLst>
+      <p:ext uri="{BB962C8B-B14F-4D97-AF65-F5344CB8AC3E}">
+        <p14:creationId xmlns:p14="http://schemas.microsoft.com/office/powerpoint/2010/main" val="129864868"/>
+      </p:ext>
+    </p:extLst>
+  </p:cSld>
+  <p:clrMapOvr>
+    <a:masterClrMapping/>
+  </p:clrMapOvr>
+  <p:timing>
+    <p:tnLst>
+      <p:par>
+        <p:cTn xmlns:p14="http://schemas.microsoft.com/office/powerpoint/2010/main" id="1" dur="indefinite" restart="never" nodeType="tmRoot"/>
+      </p:par>
+    </p:tnLst>
+  </p:timing>
+</p:sld>
+</file>
+
+<file path=ppt/slides/slide13.xml><?xml version="1.0" encoding="utf-8"?>
+<p:sld xmlns:a="http://schemas.openxmlformats.org/drawingml/2006/main" xmlns:r="http://schemas.openxmlformats.org/officeDocument/2006/relationships" xmlns:p="http://schemas.openxmlformats.org/presentationml/2006/main">
+  <p:cSld>
+    <p:spTree>
+      <p:nvGrpSpPr>
+        <p:cNvPr id="1" name="Shape 28"/>
+        <p:cNvGrpSpPr/>
+        <p:nvPr/>
+      </p:nvGrpSpPr>
+      <p:grpSpPr>
+        <a:xfrm>
+          <a:off x="0" y="0"/>
+          <a:ext cx="0" cy="0"/>
+          <a:chOff x="0" y="0"/>
+          <a:chExt cx="0" cy="0"/>
+        </a:xfrm>
+      </p:grpSpPr>
+      <p:sp>
+        <p:nvSpPr>
+          <p:cNvPr id="29" name="Shape 29"/>
+          <p:cNvSpPr txBox="1">
+            <a:spLocks noGrp="1"/>
+          </p:cNvSpPr>
+          <p:nvPr>
+            <p:ph type="title"/>
+          </p:nvPr>
+        </p:nvSpPr>
+        <p:spPr>
+          <a:xfrm>
+            <a:off x="457200" y="274637"/>
+            <a:ext cx="8229600" cy="1143000"/>
+          </a:xfrm>
+          <a:prstGeom prst="rect">
+            <a:avLst/>
+          </a:prstGeom>
+        </p:spPr>
+        <p:txBody>
+          <a:bodyPr lIns="91425" tIns="91425" rIns="91425" bIns="91425" anchor="b" anchorCtr="0">
+            <a:noAutofit/>
+          </a:bodyPr>
+          <a:lstStyle/>
+          <a:p>
+            <a:pPr>
+              <a:spcBef>
+                <a:spcPts val="0"/>
+              </a:spcBef>
+              <a:buNone/>
+            </a:pPr>
+            <a:r>
+              <a:rPr lang="en-US" sz="7200" dirty="0" smtClean="0">
+                <a:solidFill>
+                  <a:srgbClr val="FF0000"/>
+                </a:solidFill>
+                <a:latin typeface="Yanone Kaffeesatz Bold"/>
+                <a:cs typeface="Yanone Kaffeesatz Bold"/>
+              </a:rPr>
+              <a:t>Dunning-Kruger Effect</a:t>
             </a:r>
             <a:endParaRPr lang="en" sz="7200" dirty="0">
               <a:solidFill>
@@ -5489,7 +6529,7 @@
             </a:pPr>
             <a:r>
               <a:rPr lang="en-US" dirty="0" smtClean="0"/>
-              <a:t>Do some “fun” debugging exercises</a:t>
+              <a:t>Cognitive bias of unskilled individuals suffering from illusory superiority</a:t>
             </a:r>
           </a:p>
           <a:p>
@@ -5506,9 +6546,127 @@
             </a:pPr>
             <a:r>
               <a:rPr lang="en-US" dirty="0" smtClean="0"/>
-              <a:t>Introduce OOP concepts</a:t>
-            </a:r>
-          </a:p>
+              <a:t>Rate their ability much higher than accurate</a:t>
+            </a:r>
+            <a:endParaRPr lang="en-US" dirty="0"/>
+          </a:p>
+        </p:txBody>
+      </p:sp>
+    </p:spTree>
+    <p:extLst>
+      <p:ext uri="{BB962C8B-B14F-4D97-AF65-F5344CB8AC3E}">
+        <p14:creationId xmlns:p14="http://schemas.microsoft.com/office/powerpoint/2010/main" val="3429606446"/>
+      </p:ext>
+    </p:extLst>
+  </p:cSld>
+  <p:clrMapOvr>
+    <a:masterClrMapping/>
+  </p:clrMapOvr>
+  <p:transition xmlns:p14="http://schemas.microsoft.com/office/powerpoint/2010/main" spd="slow">
+    <p:cut/>
+  </p:transition>
+  <p:timing>
+    <p:tnLst>
+      <p:par>
+        <p:cTn xmlns:p14="http://schemas.microsoft.com/office/powerpoint/2010/main" id="1" dur="indefinite" restart="never" nodeType="tmRoot"/>
+      </p:par>
+    </p:tnLst>
+  </p:timing>
+</p:sld>
+</file>
+
+<file path=ppt/slides/slide14.xml><?xml version="1.0" encoding="utf-8"?>
+<p:sld xmlns:a="http://schemas.openxmlformats.org/drawingml/2006/main" xmlns:r="http://schemas.openxmlformats.org/officeDocument/2006/relationships" xmlns:p="http://schemas.openxmlformats.org/presentationml/2006/main">
+  <p:cSld>
+    <p:spTree>
+      <p:nvGrpSpPr>
+        <p:cNvPr id="1" name="Shape 28"/>
+        <p:cNvGrpSpPr/>
+        <p:nvPr/>
+      </p:nvGrpSpPr>
+      <p:grpSpPr>
+        <a:xfrm>
+          <a:off x="0" y="0"/>
+          <a:ext cx="0" cy="0"/>
+          <a:chOff x="0" y="0"/>
+          <a:chExt cx="0" cy="0"/>
+        </a:xfrm>
+      </p:grpSpPr>
+      <p:sp>
+        <p:nvSpPr>
+          <p:cNvPr id="29" name="Shape 29"/>
+          <p:cNvSpPr txBox="1">
+            <a:spLocks noGrp="1"/>
+          </p:cNvSpPr>
+          <p:nvPr>
+            <p:ph type="title"/>
+          </p:nvPr>
+        </p:nvSpPr>
+        <p:spPr>
+          <a:xfrm>
+            <a:off x="457200" y="274637"/>
+            <a:ext cx="8229600" cy="1143000"/>
+          </a:xfrm>
+          <a:prstGeom prst="rect">
+            <a:avLst/>
+          </a:prstGeom>
+        </p:spPr>
+        <p:txBody>
+          <a:bodyPr lIns="91425" tIns="91425" rIns="91425" bIns="91425" anchor="b" anchorCtr="0">
+            <a:noAutofit/>
+          </a:bodyPr>
+          <a:lstStyle/>
+          <a:p>
+            <a:pPr>
+              <a:spcBef>
+                <a:spcPts val="0"/>
+              </a:spcBef>
+              <a:buNone/>
+            </a:pPr>
+            <a:r>
+              <a:rPr lang="en-US" sz="7200" dirty="0" smtClean="0">
+                <a:solidFill>
+                  <a:srgbClr val="FF0000"/>
+                </a:solidFill>
+                <a:latin typeface="Yanone Kaffeesatz Bold"/>
+                <a:cs typeface="Yanone Kaffeesatz Bold"/>
+              </a:rPr>
+              <a:t>Impostor Syndrome</a:t>
+            </a:r>
+            <a:endParaRPr lang="en" sz="7200" dirty="0">
+              <a:solidFill>
+                <a:srgbClr val="FF0000"/>
+              </a:solidFill>
+              <a:latin typeface="Yanone Kaffeesatz Bold"/>
+              <a:cs typeface="Yanone Kaffeesatz Bold"/>
+            </a:endParaRPr>
+          </a:p>
+        </p:txBody>
+      </p:sp>
+      <p:sp>
+        <p:nvSpPr>
+          <p:cNvPr id="30" name="Shape 30"/>
+          <p:cNvSpPr txBox="1">
+            <a:spLocks noGrp="1"/>
+          </p:cNvSpPr>
+          <p:nvPr>
+            <p:ph type="body" idx="1"/>
+          </p:nvPr>
+        </p:nvSpPr>
+        <p:spPr>
+          <a:xfrm>
+            <a:off x="457200" y="1600200"/>
+            <a:ext cx="8229600" cy="4967700"/>
+          </a:xfrm>
+          <a:prstGeom prst="rect">
+            <a:avLst/>
+          </a:prstGeom>
+        </p:spPr>
+        <p:txBody>
+          <a:bodyPr lIns="91425" tIns="91425" rIns="91425" bIns="91425" anchor="t" anchorCtr="0">
+            <a:noAutofit/>
+          </a:bodyPr>
+          <a:lstStyle/>
           <a:p>
             <a:pPr marL="457200" lvl="0" indent="-419100">
               <a:lnSpc>
@@ -5523,7 +6681,7 @@
             </a:pPr>
             <a:r>
               <a:rPr lang="en-US" dirty="0" smtClean="0"/>
-              <a:t>Introduce some design concepts</a:t>
+              <a:t>Your accomplishments are undeserved, invalid, you in some way not earned</a:t>
             </a:r>
           </a:p>
           <a:p>
@@ -5538,9 +6696,329 @@
               <a:buFont typeface="Arial"/>
               <a:buChar char="●"/>
             </a:pPr>
+            <a:endParaRPr lang="en-US" dirty="0"/>
+          </a:p>
+        </p:txBody>
+      </p:sp>
+    </p:spTree>
+    <p:extLst>
+      <p:ext uri="{BB962C8B-B14F-4D97-AF65-F5344CB8AC3E}">
+        <p14:creationId xmlns:p14="http://schemas.microsoft.com/office/powerpoint/2010/main" val="2196556476"/>
+      </p:ext>
+    </p:extLst>
+  </p:cSld>
+  <p:clrMapOvr>
+    <a:masterClrMapping/>
+  </p:clrMapOvr>
+  <p:transition xmlns:p14="http://schemas.microsoft.com/office/powerpoint/2010/main" spd="slow">
+    <p:cut/>
+  </p:transition>
+  <p:timing>
+    <p:tnLst>
+      <p:par>
+        <p:cTn xmlns:p14="http://schemas.microsoft.com/office/powerpoint/2010/main" id="1" dur="indefinite" restart="never" nodeType="tmRoot"/>
+      </p:par>
+    </p:tnLst>
+  </p:timing>
+</p:sld>
+</file>
+
+<file path=ppt/slides/slide15.xml><?xml version="1.0" encoding="utf-8"?>
+<p:sld xmlns:a="http://schemas.openxmlformats.org/drawingml/2006/main" xmlns:r="http://schemas.openxmlformats.org/officeDocument/2006/relationships" xmlns:p="http://schemas.openxmlformats.org/presentationml/2006/main">
+  <p:cSld>
+    <p:spTree>
+      <p:nvGrpSpPr>
+        <p:cNvPr id="1" name="Shape 28"/>
+        <p:cNvGrpSpPr/>
+        <p:nvPr/>
+      </p:nvGrpSpPr>
+      <p:grpSpPr>
+        <a:xfrm>
+          <a:off x="0" y="0"/>
+          <a:ext cx="0" cy="0"/>
+          <a:chOff x="0" y="0"/>
+          <a:chExt cx="0" cy="0"/>
+        </a:xfrm>
+      </p:grpSpPr>
+      <p:sp>
+        <p:nvSpPr>
+          <p:cNvPr id="29" name="Shape 29"/>
+          <p:cNvSpPr txBox="1">
+            <a:spLocks noGrp="1"/>
+          </p:cNvSpPr>
+          <p:nvPr>
+            <p:ph type="title"/>
+          </p:nvPr>
+        </p:nvSpPr>
+        <p:spPr>
+          <a:xfrm>
+            <a:off x="457200" y="274637"/>
+            <a:ext cx="8229600" cy="1143000"/>
+          </a:xfrm>
+          <a:prstGeom prst="rect">
+            <a:avLst/>
+          </a:prstGeom>
+        </p:spPr>
+        <p:txBody>
+          <a:bodyPr lIns="91425" tIns="91425" rIns="91425" bIns="91425" anchor="b" anchorCtr="0">
+            <a:noAutofit/>
+          </a:bodyPr>
+          <a:lstStyle/>
+          <a:p>
+            <a:pPr>
+              <a:spcBef>
+                <a:spcPts val="0"/>
+              </a:spcBef>
+              <a:buNone/>
+            </a:pPr>
+            <a:r>
+              <a:rPr lang="en-US" sz="7200" dirty="0" smtClean="0">
+                <a:solidFill>
+                  <a:srgbClr val="FF0000"/>
+                </a:solidFill>
+                <a:latin typeface="Yanone Kaffeesatz Bold"/>
+                <a:cs typeface="Yanone Kaffeesatz Bold"/>
+              </a:rPr>
+              <a:t>Reading</a:t>
+            </a:r>
+            <a:endParaRPr lang="en" sz="7200" dirty="0">
+              <a:solidFill>
+                <a:srgbClr val="FF0000"/>
+              </a:solidFill>
+              <a:latin typeface="Yanone Kaffeesatz Bold"/>
+              <a:cs typeface="Yanone Kaffeesatz Bold"/>
+            </a:endParaRPr>
+          </a:p>
+        </p:txBody>
+      </p:sp>
+      <p:sp>
+        <p:nvSpPr>
+          <p:cNvPr id="30" name="Shape 30"/>
+          <p:cNvSpPr txBox="1">
+            <a:spLocks noGrp="1"/>
+          </p:cNvSpPr>
+          <p:nvPr>
+            <p:ph type="body" idx="1"/>
+          </p:nvPr>
+        </p:nvSpPr>
+        <p:spPr>
+          <a:xfrm>
+            <a:off x="457200" y="1600200"/>
+            <a:ext cx="8229600" cy="4967700"/>
+          </a:xfrm>
+          <a:prstGeom prst="rect">
+            <a:avLst/>
+          </a:prstGeom>
+        </p:spPr>
+        <p:txBody>
+          <a:bodyPr lIns="91425" tIns="91425" rIns="91425" bIns="91425" anchor="t" anchorCtr="0">
+            <a:noAutofit/>
+          </a:bodyPr>
+          <a:lstStyle/>
+          <a:p>
+            <a:pPr marL="38100" lvl="0" indent="0">
+              <a:lnSpc>
+                <a:spcPct val="130000"/>
+              </a:lnSpc>
+              <a:buClr>
+                <a:schemeClr val="dk1"/>
+              </a:buClr>
+              <a:buSzPct val="100000"/>
+              <a:buNone/>
+            </a:pPr>
             <a:r>
               <a:rPr lang="en-US" dirty="0" smtClean="0"/>
-              <a:t>Maybe start Rails?</a:t>
+              <a:t>Tanya X Short, “Overcoming Impostor’s </a:t>
+            </a:r>
+            <a:r>
+              <a:rPr lang="en-US" dirty="0"/>
+              <a:t>Syndrome” http://</a:t>
+            </a:r>
+            <a:r>
+              <a:rPr lang="en-US" dirty="0" err="1"/>
+              <a:t>www.gamasutra.com</a:t>
+            </a:r>
+            <a:r>
+              <a:rPr lang="en-US" dirty="0"/>
+              <a:t>/blogs/</a:t>
+            </a:r>
+            <a:r>
+              <a:rPr lang="en-US" dirty="0" err="1"/>
+              <a:t>TanyaXShort</a:t>
+            </a:r>
+            <a:r>
+              <a:rPr lang="en-US" dirty="0"/>
+              <a:t>/20140716/220938/</a:t>
+            </a:r>
+            <a:r>
+              <a:rPr lang="en-US" dirty="0" err="1"/>
+              <a:t>Overcoming_Impostors_Syndrome.php</a:t>
+            </a:r>
+            <a:endParaRPr lang="en-US" dirty="0" smtClean="0"/>
+          </a:p>
+          <a:p>
+            <a:pPr marL="457200" lvl="0" indent="-419100">
+              <a:lnSpc>
+                <a:spcPct val="130000"/>
+              </a:lnSpc>
+              <a:buClr>
+                <a:schemeClr val="dk1"/>
+              </a:buClr>
+              <a:buSzPct val="100000"/>
+              <a:buFont typeface="Arial"/>
+              <a:buChar char="●"/>
+            </a:pPr>
+            <a:endParaRPr lang="en-US" dirty="0"/>
+          </a:p>
+        </p:txBody>
+      </p:sp>
+    </p:spTree>
+    <p:extLst>
+      <p:ext uri="{BB962C8B-B14F-4D97-AF65-F5344CB8AC3E}">
+        <p14:creationId xmlns:p14="http://schemas.microsoft.com/office/powerpoint/2010/main" val="1474808441"/>
+      </p:ext>
+    </p:extLst>
+  </p:cSld>
+  <p:clrMapOvr>
+    <a:masterClrMapping/>
+  </p:clrMapOvr>
+  <p:transition xmlns:p14="http://schemas.microsoft.com/office/powerpoint/2010/main" spd="slow">
+    <p:cut/>
+  </p:transition>
+  <p:timing>
+    <p:tnLst>
+      <p:par>
+        <p:cTn xmlns:p14="http://schemas.microsoft.com/office/powerpoint/2010/main" id="1" dur="indefinite" restart="never" nodeType="tmRoot"/>
+      </p:par>
+    </p:tnLst>
+  </p:timing>
+</p:sld>
+</file>
+
+<file path=ppt/slides/slide16.xml><?xml version="1.0" encoding="utf-8"?>
+<p:sld xmlns:a="http://schemas.openxmlformats.org/drawingml/2006/main" xmlns:r="http://schemas.openxmlformats.org/officeDocument/2006/relationships" xmlns:p="http://schemas.openxmlformats.org/presentationml/2006/main">
+  <p:cSld>
+    <p:spTree>
+      <p:nvGrpSpPr>
+        <p:cNvPr id="1" name="Shape 28"/>
+        <p:cNvGrpSpPr/>
+        <p:nvPr/>
+      </p:nvGrpSpPr>
+      <p:grpSpPr>
+        <a:xfrm>
+          <a:off x="0" y="0"/>
+          <a:ext cx="0" cy="0"/>
+          <a:chOff x="0" y="0"/>
+          <a:chExt cx="0" cy="0"/>
+        </a:xfrm>
+      </p:grpSpPr>
+      <p:sp>
+        <p:nvSpPr>
+          <p:cNvPr id="29" name="Shape 29"/>
+          <p:cNvSpPr txBox="1">
+            <a:spLocks noGrp="1"/>
+          </p:cNvSpPr>
+          <p:nvPr>
+            <p:ph type="title"/>
+          </p:nvPr>
+        </p:nvSpPr>
+        <p:spPr>
+          <a:xfrm>
+            <a:off x="457200" y="274637"/>
+            <a:ext cx="8229600" cy="1143000"/>
+          </a:xfrm>
+          <a:prstGeom prst="rect">
+            <a:avLst/>
+          </a:prstGeom>
+        </p:spPr>
+        <p:txBody>
+          <a:bodyPr lIns="91425" tIns="91425" rIns="91425" bIns="91425" anchor="b" anchorCtr="0">
+            <a:noAutofit/>
+          </a:bodyPr>
+          <a:lstStyle/>
+          <a:p>
+            <a:pPr>
+              <a:spcBef>
+                <a:spcPts val="0"/>
+              </a:spcBef>
+              <a:buNone/>
+            </a:pPr>
+            <a:r>
+              <a:rPr lang="en-US" sz="7200" dirty="0" smtClean="0">
+                <a:solidFill>
+                  <a:srgbClr val="FF0000"/>
+                </a:solidFill>
+                <a:latin typeface="Yanone Kaffeesatz Bold"/>
+                <a:cs typeface="Yanone Kaffeesatz Bold"/>
+              </a:rPr>
+              <a:t>Plan</a:t>
+            </a:r>
+            <a:endParaRPr lang="en" sz="7200" dirty="0">
+              <a:solidFill>
+                <a:srgbClr val="FF0000"/>
+              </a:solidFill>
+              <a:latin typeface="Yanone Kaffeesatz Bold"/>
+              <a:cs typeface="Yanone Kaffeesatz Bold"/>
+            </a:endParaRPr>
+          </a:p>
+        </p:txBody>
+      </p:sp>
+      <p:sp>
+        <p:nvSpPr>
+          <p:cNvPr id="30" name="Shape 30"/>
+          <p:cNvSpPr txBox="1">
+            <a:spLocks noGrp="1"/>
+          </p:cNvSpPr>
+          <p:nvPr>
+            <p:ph type="body" idx="1"/>
+          </p:nvPr>
+        </p:nvSpPr>
+        <p:spPr>
+          <a:xfrm>
+            <a:off x="457200" y="1600200"/>
+            <a:ext cx="8229600" cy="4967700"/>
+          </a:xfrm>
+          <a:prstGeom prst="rect">
+            <a:avLst/>
+          </a:prstGeom>
+        </p:spPr>
+        <p:txBody>
+          <a:bodyPr lIns="91425" tIns="91425" rIns="91425" bIns="91425" anchor="t" anchorCtr="0">
+            <a:noAutofit/>
+          </a:bodyPr>
+          <a:lstStyle/>
+          <a:p>
+            <a:pPr marL="457200" lvl="0" indent="-419100">
+              <a:lnSpc>
+                <a:spcPct val="130000"/>
+              </a:lnSpc>
+              <a:buClr>
+                <a:schemeClr val="dk1"/>
+              </a:buClr>
+              <a:buSzPct val="100000"/>
+              <a:buFont typeface="Arial"/>
+              <a:buChar char="●"/>
+            </a:pPr>
+            <a:r>
+              <a:rPr lang="en-US" dirty="0" smtClean="0"/>
+              <a:t>Introduce OOP concepts</a:t>
+            </a:r>
+          </a:p>
+          <a:p>
+            <a:pPr marL="457200" lvl="0" indent="-419100">
+              <a:lnSpc>
+                <a:spcPct val="130000"/>
+              </a:lnSpc>
+              <a:buClr>
+                <a:schemeClr val="dk1"/>
+              </a:buClr>
+              <a:buSzPct val="100000"/>
+              <a:buFont typeface="Arial"/>
+              <a:buChar char="●"/>
+            </a:pPr>
+            <a:r>
+              <a:rPr lang="en-US" dirty="0" smtClean="0"/>
+              <a:t>Start Rails</a:t>
             </a:r>
             <a:endParaRPr lang="en-US" dirty="0"/>
           </a:p>
@@ -5569,7 +7047,7 @@
 </p:sld>
 </file>
 
-<file path=ppt/slides/slide12.xml><?xml version="1.0" encoding="utf-8"?>
+<file path=ppt/slides/slide17.xml><?xml version="1.0" encoding="utf-8"?>
 <p:sld xmlns:a="http://schemas.openxmlformats.org/drawingml/2006/main" xmlns:r="http://schemas.openxmlformats.org/officeDocument/2006/relationships" xmlns:p="http://schemas.openxmlformats.org/presentationml/2006/main">
   <p:cSld>
     <p:spTree>
@@ -5633,7 +7111,7 @@
 </p:sld>
 </file>
 
-<file path=ppt/slides/slide13.xml><?xml version="1.0" encoding="utf-8"?>
+<file path=ppt/slides/slide18.xml><?xml version="1.0" encoding="utf-8"?>
 <p:sld xmlns:a="http://schemas.openxmlformats.org/drawingml/2006/main" xmlns:r="http://schemas.openxmlformats.org/officeDocument/2006/relationships" xmlns:p="http://schemas.openxmlformats.org/presentationml/2006/main">
   <p:cSld>
     <p:spTree>
@@ -6597,23 +8075,6 @@
             </a:r>
           </a:p>
           <a:p>
-            <a:pPr marL="457200" lvl="0" indent="-419100">
-              <a:lnSpc>
-                <a:spcPct val="130000"/>
-              </a:lnSpc>
-              <a:buClr>
-                <a:schemeClr val="dk1"/>
-              </a:buClr>
-              <a:buSzPct val="100000"/>
-              <a:buFont typeface="Arial"/>
-              <a:buChar char="●"/>
-            </a:pPr>
-            <a:r>
-              <a:rPr lang="en-US" dirty="0" smtClean="0"/>
-              <a:t>What is a weeping angel? </a:t>
-            </a:r>
-          </a:p>
-          <a:p>
             <a:pPr marL="38100" lvl="0" indent="0">
               <a:lnSpc>
                 <a:spcPct val="130000"/>
@@ -6808,7 +8269,7 @@
   <p:cSld>
     <p:spTree>
       <p:nvGrpSpPr>
-        <p:cNvPr id="1" name=""/>
+        <p:cNvPr id="1" name="Shape 28"/>
         <p:cNvGrpSpPr/>
         <p:nvPr/>
       </p:nvGrpSpPr>
@@ -6822,76 +8283,197 @@
       </p:grpSpPr>
       <p:sp>
         <p:nvSpPr>
-          <p:cNvPr id="2" name="Title 1"/>
-          <p:cNvSpPr>
+          <p:cNvPr id="29" name="Shape 29"/>
+          <p:cNvSpPr txBox="1">
             <a:spLocks noGrp="1"/>
           </p:cNvSpPr>
           <p:nvPr>
             <p:ph type="title"/>
           </p:nvPr>
         </p:nvSpPr>
-        <p:spPr/>
-        <p:txBody>
-          <a:bodyPr/>
-          <a:lstStyle/>
-          <a:p>
-            <a:endParaRPr lang="en-US"/>
-          </a:p>
-        </p:txBody>
-      </p:sp>
-      <p:sp>
-        <p:nvSpPr>
-          <p:cNvPr id="3" name="Text Placeholder 2"/>
-          <p:cNvSpPr>
-            <a:spLocks noGrp="1"/>
-          </p:cNvSpPr>
-          <p:nvPr>
-            <p:ph type="body" idx="1"/>
-          </p:nvPr>
-        </p:nvSpPr>
-        <p:spPr/>
-        <p:txBody>
-          <a:bodyPr/>
-          <a:lstStyle/>
-          <a:p>
-            <a:endParaRPr lang="en-US"/>
-          </a:p>
-        </p:txBody>
-      </p:sp>
-      <p:pic>
-        <p:nvPicPr>
-          <p:cNvPr id="4" name="Picture 3"/>
-          <p:cNvPicPr>
-            <a:picLocks noChangeAspect="1"/>
-          </p:cNvPicPr>
-          <p:nvPr/>
-        </p:nvPicPr>
-        <p:blipFill>
-          <a:blip r:embed="rId2"/>
-          <a:stretch>
-            <a:fillRect/>
-          </a:stretch>
-        </p:blipFill>
-        <p:spPr>
-          <a:xfrm>
-            <a:off x="0" y="660400"/>
-            <a:ext cx="9144000" cy="5513659"/>
+        <p:spPr>
+          <a:xfrm>
+            <a:off x="457200" y="274637"/>
+            <a:ext cx="8229600" cy="1143000"/>
           </a:xfrm>
           <a:prstGeom prst="rect">
             <a:avLst/>
           </a:prstGeom>
         </p:spPr>
-      </p:pic>
+        <p:txBody>
+          <a:bodyPr lIns="91425" tIns="91425" rIns="91425" bIns="91425" anchor="b" anchorCtr="0">
+            <a:noAutofit/>
+          </a:bodyPr>
+          <a:lstStyle/>
+          <a:p>
+            <a:pPr>
+              <a:spcBef>
+                <a:spcPts val="0"/>
+              </a:spcBef>
+              <a:buNone/>
+            </a:pPr>
+            <a:r>
+              <a:rPr lang="en-US" sz="7200" dirty="0" smtClean="0">
+                <a:solidFill>
+                  <a:srgbClr val="FF0000"/>
+                </a:solidFill>
+                <a:latin typeface="Yanone Kaffeesatz Bold"/>
+                <a:cs typeface="Yanone Kaffeesatz Bold"/>
+              </a:rPr>
+              <a:t>Methods</a:t>
+            </a:r>
+            <a:endParaRPr lang="en" sz="7200" dirty="0">
+              <a:solidFill>
+                <a:srgbClr val="FF0000"/>
+              </a:solidFill>
+              <a:latin typeface="Yanone Kaffeesatz Bold"/>
+              <a:cs typeface="Yanone Kaffeesatz Bold"/>
+            </a:endParaRPr>
+          </a:p>
+        </p:txBody>
+      </p:sp>
+      <p:sp>
+        <p:nvSpPr>
+          <p:cNvPr id="30" name="Shape 30"/>
+          <p:cNvSpPr txBox="1">
+            <a:spLocks noGrp="1"/>
+          </p:cNvSpPr>
+          <p:nvPr>
+            <p:ph type="body" idx="1"/>
+          </p:nvPr>
+        </p:nvSpPr>
+        <p:spPr>
+          <a:xfrm>
+            <a:off x="457200" y="1600200"/>
+            <a:ext cx="8229600" cy="4967700"/>
+          </a:xfrm>
+          <a:prstGeom prst="rect">
+            <a:avLst/>
+          </a:prstGeom>
+        </p:spPr>
+        <p:txBody>
+          <a:bodyPr lIns="91425" tIns="91425" rIns="91425" bIns="91425" anchor="t" anchorCtr="0">
+            <a:noAutofit/>
+          </a:bodyPr>
+          <a:lstStyle/>
+          <a:p>
+            <a:pPr marL="38100" lvl="0" indent="0">
+              <a:lnSpc>
+                <a:spcPct val="130000"/>
+              </a:lnSpc>
+              <a:buClr>
+                <a:schemeClr val="dk1"/>
+              </a:buClr>
+              <a:buSzPct val="100000"/>
+              <a:buNone/>
+            </a:pPr>
+            <a:r>
+              <a:rPr lang="en-US" dirty="0" err="1" smtClean="0"/>
+              <a:t>def</a:t>
+            </a:r>
+            <a:r>
+              <a:rPr lang="en-US" dirty="0" smtClean="0"/>
+              <a:t> </a:t>
+            </a:r>
+            <a:r>
+              <a:rPr lang="en-US" dirty="0" err="1" smtClean="0"/>
+              <a:t>method_name</a:t>
+            </a:r>
+            <a:r>
+              <a:rPr lang="en-US" dirty="0" smtClean="0"/>
+              <a:t>(</a:t>
+            </a:r>
+            <a:r>
+              <a:rPr lang="en-US" dirty="0" smtClean="0"/>
+              <a:t>)</a:t>
+            </a:r>
+            <a:endParaRPr lang="en-US" dirty="0" smtClean="0"/>
+          </a:p>
+          <a:p>
+            <a:pPr marL="38100" lvl="0" indent="0">
+              <a:lnSpc>
+                <a:spcPct val="130000"/>
+              </a:lnSpc>
+              <a:buClr>
+                <a:schemeClr val="dk1"/>
+              </a:buClr>
+              <a:buSzPct val="100000"/>
+              <a:buNone/>
+            </a:pPr>
+            <a:endParaRPr lang="en-US" dirty="0" smtClean="0"/>
+          </a:p>
+          <a:p>
+            <a:pPr marL="38100" lvl="0" indent="0">
+              <a:lnSpc>
+                <a:spcPct val="130000"/>
+              </a:lnSpc>
+              <a:buClr>
+                <a:schemeClr val="dk1"/>
+              </a:buClr>
+              <a:buSzPct val="100000"/>
+              <a:buNone/>
+            </a:pPr>
+            <a:r>
+              <a:rPr lang="en-US" dirty="0" smtClean="0"/>
+              <a:t>end</a:t>
+            </a:r>
+          </a:p>
+          <a:p>
+            <a:pPr marL="38100" lvl="0" indent="0">
+              <a:lnSpc>
+                <a:spcPct val="130000"/>
+              </a:lnSpc>
+              <a:buClr>
+                <a:schemeClr val="dk1"/>
+              </a:buClr>
+              <a:buSzPct val="100000"/>
+              <a:buNone/>
+            </a:pPr>
+            <a:endParaRPr lang="en-US" dirty="0"/>
+          </a:p>
+          <a:p>
+            <a:pPr marL="38100" lvl="0" indent="0">
+              <a:lnSpc>
+                <a:spcPct val="130000"/>
+              </a:lnSpc>
+              <a:buClr>
+                <a:schemeClr val="dk1"/>
+              </a:buClr>
+              <a:buSzPct val="100000"/>
+              <a:buNone/>
+            </a:pPr>
+            <a:r>
+              <a:rPr lang="en-US" dirty="0" smtClean="0"/>
+              <a:t>All methods start with a </a:t>
+            </a:r>
+            <a:r>
+              <a:rPr lang="en-US" dirty="0" err="1" smtClean="0"/>
+              <a:t>def</a:t>
+            </a:r>
+            <a:r>
+              <a:rPr lang="en-US" dirty="0"/>
+              <a:t> </a:t>
+            </a:r>
+            <a:r>
+              <a:rPr lang="en-US" dirty="0" smtClean="0"/>
+              <a:t>and must have an end.</a:t>
+            </a:r>
+          </a:p>
+        </p:txBody>
+      </p:sp>
     </p:spTree>
     <p:extLst>
       <p:ext uri="{BB962C8B-B14F-4D97-AF65-F5344CB8AC3E}">
-        <p14:creationId xmlns:p14="http://schemas.microsoft.com/office/powerpoint/2010/main" val="129864868"/>
+        <p14:creationId xmlns:p14="http://schemas.microsoft.com/office/powerpoint/2010/main" val="353125055"/>
       </p:ext>
     </p:extLst>
   </p:cSld>
   <p:clrMapOvr>
     <a:masterClrMapping/>
   </p:clrMapOvr>
+  <p:transition xmlns:p14="http://schemas.microsoft.com/office/powerpoint/2010/main" spd="slow">
+    <p:cut/>
+  </p:transition>
   <p:timing>
     <p:tnLst>
       <p:par>
@@ -6958,7 +8540,7 @@
                 <a:latin typeface="Yanone Kaffeesatz Bold"/>
                 <a:cs typeface="Yanone Kaffeesatz Bold"/>
               </a:rPr>
-              <a:t>Dunning-Kruger Effect</a:t>
+              <a:t>Methods</a:t>
             </a:r>
             <a:endParaRPr lang="en" sz="7200" dirty="0">
               <a:solidFill>
@@ -6995,7 +8577,7 @@
           </a:bodyPr>
           <a:lstStyle/>
           <a:p>
-            <a:pPr marL="457200" lvl="0" indent="-419100">
+            <a:pPr marL="38100" lvl="0" indent="0">
               <a:lnSpc>
                 <a:spcPct val="130000"/>
               </a:lnSpc>
@@ -7003,16 +8585,32 @@
                 <a:schemeClr val="dk1"/>
               </a:buClr>
               <a:buSzPct val="100000"/>
-              <a:buFont typeface="Arial"/>
-              <a:buChar char="●"/>
-            </a:pPr>
+              <a:buNone/>
+            </a:pPr>
+            <a:r>
+              <a:rPr lang="en-US" dirty="0" err="1" smtClean="0"/>
+              <a:t>def</a:t>
+            </a:r>
             <a:r>
               <a:rPr lang="en-US" dirty="0" smtClean="0"/>
-              <a:t>Cognitive bias of unskilled individuals suffering from illusory superiority</a:t>
-            </a:r>
-          </a:p>
-          <a:p>
-            <a:pPr marL="457200" lvl="0" indent="-419100">
+              <a:t> </a:t>
+            </a:r>
+            <a:r>
+              <a:rPr lang="en-US" dirty="0" err="1" smtClean="0"/>
+              <a:t>method_name</a:t>
+            </a:r>
+            <a:r>
+              <a:rPr lang="en-US" dirty="0" smtClean="0"/>
+              <a:t>(</a:t>
+            </a:r>
+            <a:r>
+              <a:rPr lang="en-US" dirty="0" smtClean="0"/>
+              <a:t>)</a:t>
+            </a:r>
+            <a:endParaRPr lang="en-US" dirty="0" smtClean="0"/>
+          </a:p>
+          <a:p>
+            <a:pPr marL="38100" lvl="0" indent="0">
               <a:lnSpc>
                 <a:spcPct val="130000"/>
               </a:lnSpc>
@@ -7020,21 +8618,119 @@
                 <a:schemeClr val="dk1"/>
               </a:buClr>
               <a:buSzPct val="100000"/>
-              <a:buFont typeface="Arial"/>
-              <a:buChar char="●"/>
-            </a:pPr>
+              <a:buNone/>
+            </a:pPr>
+            <a:endParaRPr lang="en-US" dirty="0" smtClean="0"/>
+          </a:p>
+          <a:p>
+            <a:pPr marL="38100" lvl="0" indent="0">
+              <a:lnSpc>
+                <a:spcPct val="130000"/>
+              </a:lnSpc>
+              <a:buClr>
+                <a:schemeClr val="dk1"/>
+              </a:buClr>
+              <a:buSzPct val="100000"/>
+              <a:buNone/>
+            </a:pPr>
+            <a:r>
+              <a:rPr lang="en-US" dirty="0"/>
+              <a:t>e</a:t>
+            </a:r>
             <a:r>
               <a:rPr lang="en-US" dirty="0" smtClean="0"/>
-              <a:t>Rate their ability much higher than accurate</a:t>
-            </a:r>
+              <a:t>nd</a:t>
+            </a:r>
+          </a:p>
+          <a:p>
+            <a:pPr marL="38100" lvl="0" indent="0">
+              <a:lnSpc>
+                <a:spcPct val="130000"/>
+              </a:lnSpc>
+              <a:buClr>
+                <a:schemeClr val="dk1"/>
+              </a:buClr>
+              <a:buSzPct val="100000"/>
+              <a:buNone/>
+            </a:pPr>
+            <a:endParaRPr lang="en-US" dirty="0" smtClean="0"/>
+          </a:p>
+          <a:p>
+            <a:pPr marL="38100" lvl="0" indent="0">
+              <a:lnSpc>
+                <a:spcPct val="130000"/>
+              </a:lnSpc>
+              <a:buClr>
+                <a:schemeClr val="dk1"/>
+              </a:buClr>
+              <a:buSzPct val="100000"/>
+              <a:buNone/>
+            </a:pPr>
+            <a:r>
+              <a:rPr lang="en-US" dirty="0" err="1"/>
+              <a:t>m</a:t>
+            </a:r>
+            <a:r>
+              <a:rPr lang="en-US" dirty="0" err="1" smtClean="0"/>
+              <a:t>ethod_name</a:t>
+            </a:r>
+            <a:r>
+              <a:rPr lang="en-US" dirty="0" smtClean="0"/>
+              <a:t>()</a:t>
+            </a:r>
+          </a:p>
+          <a:p>
+            <a:pPr marL="38100" lvl="0" indent="0">
+              <a:lnSpc>
+                <a:spcPct val="130000"/>
+              </a:lnSpc>
+              <a:buClr>
+                <a:schemeClr val="dk1"/>
+              </a:buClr>
+              <a:buSzPct val="100000"/>
+              <a:buNone/>
+            </a:pPr>
             <a:endParaRPr lang="en-US" dirty="0"/>
+          </a:p>
+          <a:p>
+            <a:pPr marL="38100" lvl="0" indent="0">
+              <a:lnSpc>
+                <a:spcPct val="130000"/>
+              </a:lnSpc>
+              <a:buClr>
+                <a:schemeClr val="dk1"/>
+              </a:buClr>
+              <a:buSzPct val="100000"/>
+              <a:buNone/>
+            </a:pPr>
+            <a:r>
+              <a:rPr lang="en-US" sz="2400" dirty="0" smtClean="0"/>
+              <a:t>-nothing happens when you declare a method.</a:t>
+            </a:r>
+          </a:p>
+          <a:p>
+            <a:pPr marL="38100" lvl="0" indent="0">
+              <a:lnSpc>
+                <a:spcPct val="130000"/>
+              </a:lnSpc>
+              <a:buClr>
+                <a:schemeClr val="dk1"/>
+              </a:buClr>
+              <a:buSzPct val="100000"/>
+              <a:buNone/>
+            </a:pPr>
+            <a:r>
+              <a:rPr lang="en-US" sz="2400" dirty="0" smtClean="0"/>
+              <a:t>- you have to call it later to execute it.</a:t>
+            </a:r>
+            <a:endParaRPr lang="en-US" sz="2400" dirty="0"/>
           </a:p>
         </p:txBody>
       </p:sp>
     </p:spTree>
     <p:extLst>
       <p:ext uri="{BB962C8B-B14F-4D97-AF65-F5344CB8AC3E}">
-        <p14:creationId xmlns:p14="http://schemas.microsoft.com/office/powerpoint/2010/main" val="3429606446"/>
+        <p14:creationId xmlns:p14="http://schemas.microsoft.com/office/powerpoint/2010/main" val="3921077376"/>
       </p:ext>
     </p:extLst>
   </p:cSld>
@@ -7110,7 +8806,7 @@
                 <a:latin typeface="Yanone Kaffeesatz Bold"/>
                 <a:cs typeface="Yanone Kaffeesatz Bold"/>
               </a:rPr>
-              <a:t>Impostor Syndrome</a:t>
+              <a:t>Methods</a:t>
             </a:r>
             <a:endParaRPr lang="en" sz="7200" dirty="0">
               <a:solidFill>
@@ -7147,7 +8843,7 @@
           </a:bodyPr>
           <a:lstStyle/>
           <a:p>
-            <a:pPr marL="457200" lvl="0" indent="-419100">
+            <a:pPr marL="38100" lvl="0" indent="0">
               <a:lnSpc>
                 <a:spcPct val="130000"/>
               </a:lnSpc>
@@ -7155,16 +8851,36 @@
                 <a:schemeClr val="dk1"/>
               </a:buClr>
               <a:buSzPct val="100000"/>
-              <a:buFont typeface="Arial"/>
-              <a:buChar char="●"/>
-            </a:pPr>
+              <a:buNone/>
+            </a:pPr>
+            <a:r>
+              <a:rPr lang="en-US" dirty="0" err="1" smtClean="0"/>
+              <a:t>def</a:t>
+            </a:r>
             <a:r>
               <a:rPr lang="en-US" dirty="0" smtClean="0"/>
-              <a:t>Your accomplishments are undeserved, invalid, you in some way not earned</a:t>
-            </a:r>
-          </a:p>
-          <a:p>
-            <a:pPr marL="457200" lvl="0" indent="-419100">
+              <a:t> </a:t>
+            </a:r>
+            <a:r>
+              <a:rPr lang="en-US" dirty="0" err="1" smtClean="0"/>
+              <a:t>method_name</a:t>
+            </a:r>
+            <a:r>
+              <a:rPr lang="en-US" dirty="0" smtClean="0"/>
+              <a:t>(</a:t>
+            </a:r>
+            <a:r>
+              <a:rPr lang="en-US" dirty="0" err="1" smtClean="0"/>
+              <a:t>a_local_variable</a:t>
+            </a:r>
+            <a:r>
+              <a:rPr lang="en-US" dirty="0" smtClean="0"/>
+              <a:t>)</a:t>
+            </a:r>
+            <a:endParaRPr lang="en-US" dirty="0" smtClean="0"/>
+          </a:p>
+          <a:p>
+            <a:pPr marL="38100" lvl="0" indent="0">
               <a:lnSpc>
                 <a:spcPct val="130000"/>
               </a:lnSpc>
@@ -7172,9 +8888,131 @@
                 <a:schemeClr val="dk1"/>
               </a:buClr>
               <a:buSzPct val="100000"/>
-              <a:buFont typeface="Arial"/>
-              <a:buChar char="●"/>
-            </a:pPr>
+              <a:buNone/>
+            </a:pPr>
+            <a:r>
+              <a:rPr lang="en-US" dirty="0" smtClean="0"/>
+              <a:t>		</a:t>
+            </a:r>
+            <a:r>
+              <a:rPr lang="en-US" dirty="0" err="1" smtClean="0"/>
+              <a:t>a_local_variable</a:t>
+            </a:r>
+            <a:r>
+              <a:rPr lang="en-US" dirty="0" smtClean="0"/>
+              <a:t> exists here!</a:t>
+            </a:r>
+          </a:p>
+          <a:p>
+            <a:pPr marL="38100" lvl="0" indent="0">
+              <a:lnSpc>
+                <a:spcPct val="130000"/>
+              </a:lnSpc>
+              <a:buClr>
+                <a:schemeClr val="dk1"/>
+              </a:buClr>
+              <a:buSzPct val="100000"/>
+              <a:buNone/>
+            </a:pPr>
+            <a:r>
+              <a:rPr lang="en-US" dirty="0" smtClean="0"/>
+              <a:t>end</a:t>
+            </a:r>
+          </a:p>
+          <a:p>
+            <a:pPr marL="38100" lvl="0" indent="0">
+              <a:lnSpc>
+                <a:spcPct val="130000"/>
+              </a:lnSpc>
+              <a:buClr>
+                <a:schemeClr val="dk1"/>
+              </a:buClr>
+              <a:buSzPct val="100000"/>
+              <a:buNone/>
+            </a:pPr>
+            <a:endParaRPr lang="en-US" dirty="0"/>
+          </a:p>
+          <a:p>
+            <a:pPr marL="38100" lvl="0" indent="0">
+              <a:lnSpc>
+                <a:spcPct val="130000"/>
+              </a:lnSpc>
+              <a:buClr>
+                <a:schemeClr val="dk1"/>
+              </a:buClr>
+              <a:buSzPct val="100000"/>
+              <a:buNone/>
+            </a:pPr>
+            <a:r>
+              <a:rPr lang="en-US" dirty="0" err="1"/>
+              <a:t>m</a:t>
+            </a:r>
+            <a:r>
+              <a:rPr lang="en-US" dirty="0" err="1" smtClean="0"/>
+              <a:t>ethod_name</a:t>
+            </a:r>
+            <a:r>
+              <a:rPr lang="en-US" dirty="0" smtClean="0"/>
+              <a:t>(</a:t>
+            </a:r>
+            <a:r>
+              <a:rPr lang="en-US" dirty="0" err="1" smtClean="0"/>
+              <a:t>example_method</a:t>
+            </a:r>
+            <a:r>
+              <a:rPr lang="en-US" dirty="0" smtClean="0"/>
+              <a:t>)</a:t>
+            </a:r>
+          </a:p>
+          <a:p>
+            <a:pPr marL="38100" lvl="0" indent="0">
+              <a:lnSpc>
+                <a:spcPct val="130000"/>
+              </a:lnSpc>
+              <a:buClr>
+                <a:schemeClr val="dk1"/>
+              </a:buClr>
+              <a:buSzPct val="100000"/>
+              <a:buNone/>
+            </a:pPr>
+            <a:r>
+              <a:rPr lang="en-US" dirty="0" err="1" smtClean="0"/>
+              <a:t>a_local_variable</a:t>
+            </a:r>
+            <a:r>
+              <a:rPr lang="en-US" dirty="0" smtClean="0"/>
+              <a:t> does not exist here</a:t>
+            </a:r>
+            <a:endParaRPr lang="en-US" dirty="0"/>
+          </a:p>
+          <a:p>
+            <a:pPr marL="38100" lvl="0" indent="0">
+              <a:lnSpc>
+                <a:spcPct val="130000"/>
+              </a:lnSpc>
+              <a:buClr>
+                <a:schemeClr val="dk1"/>
+              </a:buClr>
+              <a:buSzPct val="100000"/>
+              <a:buNone/>
+            </a:pPr>
+            <a:endParaRPr lang="en-US" dirty="0" smtClean="0"/>
+          </a:p>
+          <a:p>
+            <a:pPr marL="38100" lvl="0" indent="0">
+              <a:lnSpc>
+                <a:spcPct val="130000"/>
+              </a:lnSpc>
+              <a:buClr>
+                <a:schemeClr val="dk1"/>
+              </a:buClr>
+              <a:buSzPct val="100000"/>
+              <a:buNone/>
+            </a:pPr>
+            <a:r>
+              <a:rPr lang="en-US" dirty="0" smtClean="0"/>
+              <a:t>Variable scope – only exist in certain places</a:t>
+            </a:r>
             <a:endParaRPr lang="en-US" dirty="0"/>
           </a:p>
         </p:txBody>
@@ -7182,7 +9020,7 @@
     </p:spTree>
     <p:extLst>
       <p:ext uri="{BB962C8B-B14F-4D97-AF65-F5344CB8AC3E}">
-        <p14:creationId xmlns:p14="http://schemas.microsoft.com/office/powerpoint/2010/main" val="2196556476"/>
+        <p14:creationId xmlns:p14="http://schemas.microsoft.com/office/powerpoint/2010/main" val="3156944558"/>
       </p:ext>
     </p:extLst>
   </p:cSld>

--- a/day2-review.pptx
+++ b/day2-review.pptx
@@ -5,7 +5,7 @@
     <p:sldMasterId id="2147483648" r:id="rId1"/>
   </p:sldMasterIdLst>
   <p:notesMasterIdLst>
-    <p:notesMasterId r:id="rId20"/>
+    <p:notesMasterId r:id="rId21"/>
   </p:notesMasterIdLst>
   <p:sldIdLst>
     <p:sldId id="257" r:id="rId2"/>
@@ -19,13 +19,14 @@
     <p:sldId id="275" r:id="rId10"/>
     <p:sldId id="278" r:id="rId11"/>
     <p:sldId id="279" r:id="rId12"/>
-    <p:sldId id="265" r:id="rId13"/>
-    <p:sldId id="267" r:id="rId14"/>
-    <p:sldId id="268" r:id="rId15"/>
-    <p:sldId id="269" r:id="rId16"/>
-    <p:sldId id="271" r:id="rId17"/>
-    <p:sldId id="273" r:id="rId18"/>
-    <p:sldId id="272" r:id="rId19"/>
+    <p:sldId id="280" r:id="rId13"/>
+    <p:sldId id="265" r:id="rId14"/>
+    <p:sldId id="267" r:id="rId15"/>
+    <p:sldId id="268" r:id="rId16"/>
+    <p:sldId id="269" r:id="rId17"/>
+    <p:sldId id="271" r:id="rId18"/>
+    <p:sldId id="273" r:id="rId19"/>
+    <p:sldId id="272" r:id="rId20"/>
   </p:sldIdLst>
   <p:sldSz cx="9144000" cy="6858000" type="screen4x3"/>
   <p:notesSz cx="6858000" cy="9144000"/>
@@ -209,7 +210,7 @@
           <a:p>
             <a:fld id="{91BDCAE1-DC13-3545-841A-A4DBCAED93AF}" type="datetimeFigureOut">
               <a:rPr lang="en-US" smtClean="0"/>
-              <a:t>6/14/16</a:t>
+              <a:t>6/21/16</a:t>
             </a:fld>
             <a:endParaRPr lang="en-US"/>
           </a:p>
@@ -1476,7 +1477,7 @@
 </p:notes>
 </file>
 
-<file path=ppt/notesSlides/notesSlide2.xml><?xml version="1.0" encoding="utf-8"?>
+<file path=ppt/notesSlides/notesSlide18.xml><?xml version="1.0" encoding="utf-8"?>
 <p:notes xmlns:a="http://schemas.openxmlformats.org/drawingml/2006/main" xmlns:r="http://schemas.openxmlformats.org/officeDocument/2006/relationships" xmlns:p="http://schemas.openxmlformats.org/presentationml/2006/main" showMasterSp="0" showMasterPhAnim="0">
   <p:cSld>
     <p:spTree>
@@ -1587,7 +1588,7 @@
 </p:notes>
 </file>
 
-<file path=ppt/notesSlides/notesSlide3.xml><?xml version="1.0" encoding="utf-8"?>
+<file path=ppt/notesSlides/notesSlide2.xml><?xml version="1.0" encoding="utf-8"?>
 <p:notes xmlns:a="http://schemas.openxmlformats.org/drawingml/2006/main" xmlns:r="http://schemas.openxmlformats.org/officeDocument/2006/relationships" xmlns:p="http://schemas.openxmlformats.org/presentationml/2006/main" showMasterSp="0" showMasterPhAnim="0">
   <p:cSld>
     <p:spTree>
@@ -1698,7 +1699,7 @@
 </p:notes>
 </file>
 
-<file path=ppt/notesSlides/notesSlide4.xml><?xml version="1.0" encoding="utf-8"?>
+<file path=ppt/notesSlides/notesSlide3.xml><?xml version="1.0" encoding="utf-8"?>
 <p:notes xmlns:a="http://schemas.openxmlformats.org/drawingml/2006/main" xmlns:r="http://schemas.openxmlformats.org/officeDocument/2006/relationships" xmlns:p="http://schemas.openxmlformats.org/presentationml/2006/main" showMasterSp="0" showMasterPhAnim="0">
   <p:cSld>
     <p:spTree>
@@ -1809,7 +1810,7 @@
 </p:notes>
 </file>
 
-<file path=ppt/notesSlides/notesSlide5.xml><?xml version="1.0" encoding="utf-8"?>
+<file path=ppt/notesSlides/notesSlide4.xml><?xml version="1.0" encoding="utf-8"?>
 <p:notes xmlns:a="http://schemas.openxmlformats.org/drawingml/2006/main" xmlns:r="http://schemas.openxmlformats.org/officeDocument/2006/relationships" xmlns:p="http://schemas.openxmlformats.org/presentationml/2006/main" showMasterSp="0" showMasterPhAnim="0">
   <p:cSld>
     <p:spTree>
@@ -1920,7 +1921,7 @@
 </p:notes>
 </file>
 
-<file path=ppt/notesSlides/notesSlide6.xml><?xml version="1.0" encoding="utf-8"?>
+<file path=ppt/notesSlides/notesSlide5.xml><?xml version="1.0" encoding="utf-8"?>
 <p:notes xmlns:a="http://schemas.openxmlformats.org/drawingml/2006/main" xmlns:r="http://schemas.openxmlformats.org/officeDocument/2006/relationships" xmlns:p="http://schemas.openxmlformats.org/presentationml/2006/main" showMasterSp="0" showMasterPhAnim="0">
   <p:cSld>
     <p:spTree>
@@ -2031,7 +2032,7 @@
 </p:notes>
 </file>
 
-<file path=ppt/notesSlides/notesSlide7.xml><?xml version="1.0" encoding="utf-8"?>
+<file path=ppt/notesSlides/notesSlide6.xml><?xml version="1.0" encoding="utf-8"?>
 <p:notes xmlns:a="http://schemas.openxmlformats.org/drawingml/2006/main" xmlns:r="http://schemas.openxmlformats.org/officeDocument/2006/relationships" xmlns:p="http://schemas.openxmlformats.org/presentationml/2006/main" showMasterSp="0" showMasterPhAnim="0">
   <p:cSld>
     <p:spTree>
@@ -2142,7 +2143,7 @@
 </p:notes>
 </file>
 
-<file path=ppt/notesSlides/notesSlide8.xml><?xml version="1.0" encoding="utf-8"?>
+<file path=ppt/notesSlides/notesSlide7.xml><?xml version="1.0" encoding="utf-8"?>
 <p:notes xmlns:a="http://schemas.openxmlformats.org/drawingml/2006/main" xmlns:r="http://schemas.openxmlformats.org/officeDocument/2006/relationships" xmlns:p="http://schemas.openxmlformats.org/presentationml/2006/main" showMasterSp="0" showMasterPhAnim="0">
   <p:cSld>
     <p:spTree>
@@ -2253,7 +2254,7 @@
 </p:notes>
 </file>
 
-<file path=ppt/notesSlides/notesSlide9.xml><?xml version="1.0" encoding="utf-8"?>
+<file path=ppt/notesSlides/notesSlide8.xml><?xml version="1.0" encoding="utf-8"?>
 <p:notes xmlns:a="http://schemas.openxmlformats.org/drawingml/2006/main" xmlns:r="http://schemas.openxmlformats.org/officeDocument/2006/relationships" xmlns:p="http://schemas.openxmlformats.org/presentationml/2006/main" showMasterSp="0" showMasterPhAnim="0">
   <p:cSld>
     <p:spTree>
@@ -2364,6 +2365,117 @@
 </p:notes>
 </file>
 
+<file path=ppt/notesSlides/notesSlide9.xml><?xml version="1.0" encoding="utf-8"?>
+<p:notes xmlns:a="http://schemas.openxmlformats.org/drawingml/2006/main" xmlns:r="http://schemas.openxmlformats.org/officeDocument/2006/relationships" xmlns:p="http://schemas.openxmlformats.org/presentationml/2006/main" showMasterSp="0" showMasterPhAnim="0">
+  <p:cSld>
+    <p:spTree>
+      <p:nvGrpSpPr>
+        <p:cNvPr id="1" name="Shape 31"/>
+        <p:cNvGrpSpPr/>
+        <p:nvPr/>
+      </p:nvGrpSpPr>
+      <p:grpSpPr>
+        <a:xfrm>
+          <a:off x="0" y="0"/>
+          <a:ext cx="0" cy="0"/>
+          <a:chOff x="0" y="0"/>
+          <a:chExt cx="0" cy="0"/>
+        </a:xfrm>
+      </p:grpSpPr>
+      <p:sp>
+        <p:nvSpPr>
+          <p:cNvPr id="32" name="Shape 32"/>
+          <p:cNvSpPr>
+            <a:spLocks noGrp="1" noRot="1" noChangeAspect="1"/>
+          </p:cNvSpPr>
+          <p:nvPr>
+            <p:ph type="sldImg" idx="2"/>
+          </p:nvPr>
+        </p:nvSpPr>
+        <p:spPr>
+          <a:xfrm>
+            <a:off x="1143000" y="685800"/>
+            <a:ext cx="4572000" cy="3429000"/>
+          </a:xfrm>
+          <a:custGeom>
+            <a:avLst/>
+            <a:gdLst/>
+            <a:ahLst/>
+            <a:cxnLst/>
+            <a:rect l="0" t="0" r="0" b="0"/>
+            <a:pathLst>
+              <a:path w="120000" h="120000" extrusionOk="0">
+                <a:moveTo>
+                  <a:pt x="0" y="0"/>
+                </a:moveTo>
+                <a:lnTo>
+                  <a:pt x="120000" y="0"/>
+                </a:lnTo>
+                <a:lnTo>
+                  <a:pt x="120000" y="120000"/>
+                </a:lnTo>
+                <a:lnTo>
+                  <a:pt x="0" y="120000"/>
+                </a:lnTo>
+                <a:close/>
+              </a:path>
+            </a:pathLst>
+          </a:custGeom>
+          <a:noFill/>
+          <a:ln w="9525" cap="flat">
+            <a:solidFill>
+              <a:srgbClr val="000000"/>
+            </a:solidFill>
+            <a:prstDash val="solid"/>
+            <a:round/>
+            <a:headEnd type="none" w="med" len="med"/>
+            <a:tailEnd type="none" w="med" len="med"/>
+          </a:ln>
+        </p:spPr>
+      </p:sp>
+      <p:sp>
+        <p:nvSpPr>
+          <p:cNvPr id="33" name="Shape 33"/>
+          <p:cNvSpPr txBox="1">
+            <a:spLocks noGrp="1"/>
+          </p:cNvSpPr>
+          <p:nvPr>
+            <p:ph type="body" idx="1"/>
+          </p:nvPr>
+        </p:nvSpPr>
+        <p:spPr>
+          <a:xfrm>
+            <a:off x="685800" y="4343400"/>
+            <a:ext cx="5486399" cy="4114800"/>
+          </a:xfrm>
+          <a:prstGeom prst="rect">
+            <a:avLst/>
+          </a:prstGeom>
+        </p:spPr>
+        <p:txBody>
+          <a:bodyPr lIns="91425" tIns="91425" rIns="91425" bIns="91425" anchor="t" anchorCtr="0">
+            <a:noAutofit/>
+          </a:bodyPr>
+          <a:lstStyle/>
+          <a:p>
+            <a:pPr>
+              <a:spcBef>
+                <a:spcPts val="0"/>
+              </a:spcBef>
+              <a:buNone/>
+            </a:pPr>
+            <a:endParaRPr/>
+          </a:p>
+        </p:txBody>
+      </p:sp>
+    </p:spTree>
+  </p:cSld>
+  <p:clrMapOvr>
+    <a:masterClrMapping/>
+  </p:clrMapOvr>
+</p:notes>
+</file>
+
 <file path=ppt/slideLayouts/slideLayout1.xml><?xml version="1.0" encoding="utf-8"?>
 <p:sldLayout xmlns:a="http://schemas.openxmlformats.org/drawingml/2006/main" xmlns:r="http://schemas.openxmlformats.org/officeDocument/2006/relationships" xmlns:p="http://schemas.openxmlformats.org/presentationml/2006/main" type="title" preserve="1">
   <p:cSld name="Title Slide">
@@ -2545,7 +2657,7 @@
           <a:p>
             <a:fld id="{7C780E36-1438-D74D-8D9C-3089FABA7E39}" type="datetimeFigureOut">
               <a:rPr lang="en-US" smtClean="0"/>
-              <a:t>6/14/16</a:t>
+              <a:t>6/21/16</a:t>
             </a:fld>
             <a:endParaRPr lang="en-US"/>
           </a:p>
@@ -2715,7 +2827,7 @@
           <a:p>
             <a:fld id="{7C780E36-1438-D74D-8D9C-3089FABA7E39}" type="datetimeFigureOut">
               <a:rPr lang="en-US" smtClean="0"/>
-              <a:t>6/14/16</a:t>
+              <a:t>6/21/16</a:t>
             </a:fld>
             <a:endParaRPr lang="en-US"/>
           </a:p>
@@ -2895,7 +3007,7 @@
           <a:p>
             <a:fld id="{7C780E36-1438-D74D-8D9C-3089FABA7E39}" type="datetimeFigureOut">
               <a:rPr lang="en-US" smtClean="0"/>
-              <a:t>6/14/16</a:t>
+              <a:t>6/21/16</a:t>
             </a:fld>
             <a:endParaRPr lang="en-US"/>
           </a:p>
@@ -3370,7 +3482,7 @@
           <a:p>
             <a:fld id="{7C780E36-1438-D74D-8D9C-3089FABA7E39}" type="datetimeFigureOut">
               <a:rPr lang="en-US" smtClean="0"/>
-              <a:t>6/14/16</a:t>
+              <a:t>6/21/16</a:t>
             </a:fld>
             <a:endParaRPr lang="en-US"/>
           </a:p>
@@ -3616,7 +3728,7 @@
           <a:p>
             <a:fld id="{7C780E36-1438-D74D-8D9C-3089FABA7E39}" type="datetimeFigureOut">
               <a:rPr lang="en-US" smtClean="0"/>
-              <a:t>6/14/16</a:t>
+              <a:t>6/21/16</a:t>
             </a:fld>
             <a:endParaRPr lang="en-US"/>
           </a:p>
@@ -3904,7 +4016,7 @@
           <a:p>
             <a:fld id="{7C780E36-1438-D74D-8D9C-3089FABA7E39}" type="datetimeFigureOut">
               <a:rPr lang="en-US" smtClean="0"/>
-              <a:t>6/14/16</a:t>
+              <a:t>6/21/16</a:t>
             </a:fld>
             <a:endParaRPr lang="en-US"/>
           </a:p>
@@ -4326,7 +4438,7 @@
           <a:p>
             <a:fld id="{7C780E36-1438-D74D-8D9C-3089FABA7E39}" type="datetimeFigureOut">
               <a:rPr lang="en-US" smtClean="0"/>
-              <a:t>6/14/16</a:t>
+              <a:t>6/21/16</a:t>
             </a:fld>
             <a:endParaRPr lang="en-US"/>
           </a:p>
@@ -4444,7 +4556,7 @@
           <a:p>
             <a:fld id="{7C780E36-1438-D74D-8D9C-3089FABA7E39}" type="datetimeFigureOut">
               <a:rPr lang="en-US" smtClean="0"/>
-              <a:t>6/14/16</a:t>
+              <a:t>6/21/16</a:t>
             </a:fld>
             <a:endParaRPr lang="en-US"/>
           </a:p>
@@ -4539,7 +4651,7 @@
           <a:p>
             <a:fld id="{7C780E36-1438-D74D-8D9C-3089FABA7E39}" type="datetimeFigureOut">
               <a:rPr lang="en-US" smtClean="0"/>
-              <a:t>6/14/16</a:t>
+              <a:t>6/21/16</a:t>
             </a:fld>
             <a:endParaRPr lang="en-US"/>
           </a:p>
@@ -4816,7 +4928,7 @@
           <a:p>
             <a:fld id="{7C780E36-1438-D74D-8D9C-3089FABA7E39}" type="datetimeFigureOut">
               <a:rPr lang="en-US" smtClean="0"/>
-              <a:t>6/14/16</a:t>
+              <a:t>6/21/16</a:t>
             </a:fld>
             <a:endParaRPr lang="en-US"/>
           </a:p>
@@ -5069,7 +5181,7 @@
           <a:p>
             <a:fld id="{7C780E36-1438-D74D-8D9C-3089FABA7E39}" type="datetimeFigureOut">
               <a:rPr lang="en-US" smtClean="0"/>
-              <a:t>6/14/16</a:t>
+              <a:t>6/21/16</a:t>
             </a:fld>
             <a:endParaRPr lang="en-US"/>
           </a:p>
@@ -5282,7 +5394,7 @@
           <a:p>
             <a:fld id="{7C780E36-1438-D74D-8D9C-3089FABA7E39}" type="datetimeFigureOut">
               <a:rPr lang="en-US" smtClean="0"/>
-              <a:t>6/14/16</a:t>
+              <a:t>6/21/16</a:t>
             </a:fld>
             <a:endParaRPr lang="en-US"/>
           </a:p>
@@ -5895,10 +6007,9 @@
               <a:t>a_local_variable</a:t>
             </a:r>
             <a:r>
-              <a:rPr lang="en-US" sz="2400" smtClean="0"/>
+              <a:rPr lang="en-US" sz="2400" dirty="0" smtClean="0"/>
               <a:t>)</a:t>
             </a:r>
-            <a:endParaRPr lang="en-US" sz="2400" dirty="0" smtClean="0"/>
           </a:p>
           <a:p>
             <a:pPr marL="38100" lvl="0" indent="0">
@@ -5921,11 +6032,7 @@
             </a:r>
             <a:r>
               <a:rPr lang="en-US" sz="2400" dirty="0" smtClean="0"/>
-              <a:t> exists here</a:t>
-            </a:r>
-            <a:r>
-              <a:rPr lang="en-US" sz="2400" dirty="0" smtClean="0"/>
-              <a:t>!</a:t>
+              <a:t> exists here!</a:t>
             </a:r>
           </a:p>
           <a:p>
@@ -5943,7 +6050,6 @@
               <a:rPr lang="en-US" sz="2400" dirty="0" smtClean="0"/>
               <a:t>	end</a:t>
             </a:r>
-            <a:endParaRPr lang="en-US" sz="2400" dirty="0" smtClean="0"/>
           </a:p>
           <a:p>
             <a:pPr marL="38100" lvl="0" indent="0">
@@ -5983,7 +6089,7 @@
             </a:r>
             <a:r>
               <a:rPr lang="en-US" sz="2400" dirty="0" err="1" smtClean="0"/>
-              <a:t>example_method</a:t>
+              <a:t>example_variable</a:t>
             </a:r>
             <a:r>
               <a:rPr lang="en-US" sz="2400" dirty="0" smtClean="0"/>
@@ -6198,7 +6304,7 @@
             </a:r>
             <a:r>
               <a:rPr lang="en-US" sz="2400" dirty="0" smtClean="0"/>
-              <a:t>):</a:t>
+              <a:t>)</a:t>
             </a:r>
           </a:p>
           <a:p>
@@ -6214,15 +6320,7 @@
             </a:pPr>
             <a:r>
               <a:rPr lang="en-US" sz="2400" dirty="0" smtClean="0"/>
-              <a:t>		</a:t>
-            </a:r>
-            <a:r>
-              <a:rPr lang="en-US" sz="2400" dirty="0" err="1" smtClean="0"/>
-              <a:t>a_local_variable</a:t>
-            </a:r>
-            <a:r>
-              <a:rPr lang="en-US" sz="2400" dirty="0" smtClean="0"/>
-              <a:t> exists here!</a:t>
+              <a:t>		puts “a thing”</a:t>
             </a:r>
           </a:p>
           <a:p>
@@ -6329,7 +6427,7 @@
   <p:cSld>
     <p:spTree>
       <p:nvGrpSpPr>
-        <p:cNvPr id="1" name=""/>
+        <p:cNvPr id="1" name="Shape 28"/>
         <p:cNvGrpSpPr/>
         <p:nvPr/>
       </p:nvGrpSpPr>
@@ -6343,60 +6441,73 @@
       </p:grpSpPr>
       <p:sp>
         <p:nvSpPr>
-          <p:cNvPr id="2" name="Title 1"/>
-          <p:cNvSpPr>
+          <p:cNvPr id="29" name="Shape 29"/>
+          <p:cNvSpPr txBox="1">
             <a:spLocks noGrp="1"/>
           </p:cNvSpPr>
           <p:nvPr>
             <p:ph type="title"/>
           </p:nvPr>
         </p:nvSpPr>
-        <p:spPr/>
-        <p:txBody>
-          <a:bodyPr/>
+        <p:spPr>
+          <a:xfrm>
+            <a:off x="457200" y="274637"/>
+            <a:ext cx="8229600" cy="1143000"/>
+          </a:xfrm>
+          <a:prstGeom prst="rect">
+            <a:avLst/>
+          </a:prstGeom>
+        </p:spPr>
+        <p:txBody>
+          <a:bodyPr lIns="91425" tIns="91425" rIns="91425" bIns="91425" anchor="b" anchorCtr="0">
+            <a:noAutofit/>
+          </a:bodyPr>
           <a:lstStyle/>
           <a:p>
-            <a:endParaRPr lang="en-US"/>
-          </a:p>
-        </p:txBody>
-      </p:sp>
-      <p:sp>
-        <p:nvSpPr>
-          <p:cNvPr id="3" name="Text Placeholder 2"/>
-          <p:cNvSpPr>
-            <a:spLocks noGrp="1"/>
-          </p:cNvSpPr>
-          <p:nvPr>
-            <p:ph type="body" idx="1"/>
-          </p:nvPr>
-        </p:nvSpPr>
-        <p:spPr/>
-        <p:txBody>
-          <a:bodyPr/>
-          <a:lstStyle/>
-          <a:p>
-            <a:endParaRPr lang="en-US"/>
+            <a:pPr>
+              <a:spcBef>
+                <a:spcPts val="0"/>
+              </a:spcBef>
+              <a:buNone/>
+            </a:pPr>
+            <a:r>
+              <a:rPr lang="en-US" sz="7200" dirty="0" smtClean="0">
+                <a:solidFill>
+                  <a:srgbClr val="FF0000"/>
+                </a:solidFill>
+                <a:latin typeface="Yanone Kaffeesatz Bold"/>
+                <a:cs typeface="Yanone Kaffeesatz Bold"/>
+              </a:rPr>
+              <a:t>Impostor Syndrome</a:t>
+            </a:r>
+            <a:endParaRPr lang="en" sz="7200" dirty="0">
+              <a:solidFill>
+                <a:srgbClr val="FF0000"/>
+              </a:solidFill>
+              <a:latin typeface="Yanone Kaffeesatz Bold"/>
+              <a:cs typeface="Yanone Kaffeesatz Bold"/>
+            </a:endParaRPr>
           </a:p>
         </p:txBody>
       </p:sp>
       <p:pic>
         <p:nvPicPr>
-          <p:cNvPr id="4" name="Picture 3"/>
+          <p:cNvPr id="2" name="Picture 1"/>
           <p:cNvPicPr>
             <a:picLocks noChangeAspect="1"/>
           </p:cNvPicPr>
           <p:nvPr/>
         </p:nvPicPr>
         <p:blipFill>
-          <a:blip r:embed="rId2"/>
+          <a:blip r:embed="rId3"/>
           <a:stretch>
             <a:fillRect/>
           </a:stretch>
         </p:blipFill>
         <p:spPr>
           <a:xfrm>
-            <a:off x="0" y="660400"/>
-            <a:ext cx="9144000" cy="5513659"/>
+            <a:off x="1992395" y="1417637"/>
+            <a:ext cx="5159210" cy="5180797"/>
           </a:xfrm>
           <a:prstGeom prst="rect">
             <a:avLst/>
@@ -6406,13 +6517,16 @@
     </p:spTree>
     <p:extLst>
       <p:ext uri="{BB962C8B-B14F-4D97-AF65-F5344CB8AC3E}">
-        <p14:creationId xmlns:p14="http://schemas.microsoft.com/office/powerpoint/2010/main" val="129864868"/>
+        <p14:creationId xmlns:p14="http://schemas.microsoft.com/office/powerpoint/2010/main" val="2560100853"/>
       </p:ext>
     </p:extLst>
   </p:cSld>
   <p:clrMapOvr>
     <a:masterClrMapping/>
   </p:clrMapOvr>
+  <p:transition xmlns:p14="http://schemas.microsoft.com/office/powerpoint/2010/main" spd="slow">
+    <p:cut/>
+  </p:transition>
   <p:timing>
     <p:tnLst>
       <p:par>
@@ -6428,7 +6542,7 @@
   <p:cSld>
     <p:spTree>
       <p:nvGrpSpPr>
-        <p:cNvPr id="1" name="Shape 28"/>
+        <p:cNvPr id="1" name=""/>
         <p:cNvGrpSpPr/>
         <p:nvPr/>
       </p:nvGrpSpPr>
@@ -6442,129 +6556,76 @@
       </p:grpSpPr>
       <p:sp>
         <p:nvSpPr>
-          <p:cNvPr id="29" name="Shape 29"/>
-          <p:cNvSpPr txBox="1">
+          <p:cNvPr id="2" name="Title 1"/>
+          <p:cNvSpPr>
             <a:spLocks noGrp="1"/>
           </p:cNvSpPr>
           <p:nvPr>
             <p:ph type="title"/>
           </p:nvPr>
         </p:nvSpPr>
-        <p:spPr>
-          <a:xfrm>
-            <a:off x="457200" y="274637"/>
-            <a:ext cx="8229600" cy="1143000"/>
+        <p:spPr/>
+        <p:txBody>
+          <a:bodyPr/>
+          <a:lstStyle/>
+          <a:p>
+            <a:endParaRPr lang="en-US"/>
+          </a:p>
+        </p:txBody>
+      </p:sp>
+      <p:sp>
+        <p:nvSpPr>
+          <p:cNvPr id="3" name="Text Placeholder 2"/>
+          <p:cNvSpPr>
+            <a:spLocks noGrp="1"/>
+          </p:cNvSpPr>
+          <p:nvPr>
+            <p:ph type="body" idx="1"/>
+          </p:nvPr>
+        </p:nvSpPr>
+        <p:spPr/>
+        <p:txBody>
+          <a:bodyPr/>
+          <a:lstStyle/>
+          <a:p>
+            <a:endParaRPr lang="en-US"/>
+          </a:p>
+        </p:txBody>
+      </p:sp>
+      <p:pic>
+        <p:nvPicPr>
+          <p:cNvPr id="4" name="Picture 3"/>
+          <p:cNvPicPr>
+            <a:picLocks noChangeAspect="1"/>
+          </p:cNvPicPr>
+          <p:nvPr/>
+        </p:nvPicPr>
+        <p:blipFill>
+          <a:blip r:embed="rId2"/>
+          <a:stretch>
+            <a:fillRect/>
+          </a:stretch>
+        </p:blipFill>
+        <p:spPr>
+          <a:xfrm>
+            <a:off x="0" y="660400"/>
+            <a:ext cx="9144000" cy="5513659"/>
           </a:xfrm>
           <a:prstGeom prst="rect">
             <a:avLst/>
           </a:prstGeom>
         </p:spPr>
-        <p:txBody>
-          <a:bodyPr lIns="91425" tIns="91425" rIns="91425" bIns="91425" anchor="b" anchorCtr="0">
-            <a:noAutofit/>
-          </a:bodyPr>
-          <a:lstStyle/>
-          <a:p>
-            <a:pPr>
-              <a:spcBef>
-                <a:spcPts val="0"/>
-              </a:spcBef>
-              <a:buNone/>
-            </a:pPr>
-            <a:r>
-              <a:rPr lang="en-US" sz="7200" dirty="0" smtClean="0">
-                <a:solidFill>
-                  <a:srgbClr val="FF0000"/>
-                </a:solidFill>
-                <a:latin typeface="Yanone Kaffeesatz Bold"/>
-                <a:cs typeface="Yanone Kaffeesatz Bold"/>
-              </a:rPr>
-              <a:t>Dunning-Kruger Effect</a:t>
-            </a:r>
-            <a:endParaRPr lang="en" sz="7200" dirty="0">
-              <a:solidFill>
-                <a:srgbClr val="FF0000"/>
-              </a:solidFill>
-              <a:latin typeface="Yanone Kaffeesatz Bold"/>
-              <a:cs typeface="Yanone Kaffeesatz Bold"/>
-            </a:endParaRPr>
-          </a:p>
-        </p:txBody>
-      </p:sp>
-      <p:sp>
-        <p:nvSpPr>
-          <p:cNvPr id="30" name="Shape 30"/>
-          <p:cNvSpPr txBox="1">
-            <a:spLocks noGrp="1"/>
-          </p:cNvSpPr>
-          <p:nvPr>
-            <p:ph type="body" idx="1"/>
-          </p:nvPr>
-        </p:nvSpPr>
-        <p:spPr>
-          <a:xfrm>
-            <a:off x="457200" y="1600200"/>
-            <a:ext cx="8229600" cy="4967700"/>
-          </a:xfrm>
-          <a:prstGeom prst="rect">
-            <a:avLst/>
-          </a:prstGeom>
-        </p:spPr>
-        <p:txBody>
-          <a:bodyPr lIns="91425" tIns="91425" rIns="91425" bIns="91425" anchor="t" anchorCtr="0">
-            <a:noAutofit/>
-          </a:bodyPr>
-          <a:lstStyle/>
-          <a:p>
-            <a:pPr marL="457200" lvl="0" indent="-419100">
-              <a:lnSpc>
-                <a:spcPct val="130000"/>
-              </a:lnSpc>
-              <a:buClr>
-                <a:schemeClr val="dk1"/>
-              </a:buClr>
-              <a:buSzPct val="100000"/>
-              <a:buFont typeface="Arial"/>
-              <a:buChar char="●"/>
-            </a:pPr>
-            <a:r>
-              <a:rPr lang="en-US" dirty="0" smtClean="0"/>
-              <a:t>Cognitive bias of unskilled individuals suffering from illusory superiority</a:t>
-            </a:r>
-          </a:p>
-          <a:p>
-            <a:pPr marL="457200" lvl="0" indent="-419100">
-              <a:lnSpc>
-                <a:spcPct val="130000"/>
-              </a:lnSpc>
-              <a:buClr>
-                <a:schemeClr val="dk1"/>
-              </a:buClr>
-              <a:buSzPct val="100000"/>
-              <a:buFont typeface="Arial"/>
-              <a:buChar char="●"/>
-            </a:pPr>
-            <a:r>
-              <a:rPr lang="en-US" dirty="0" smtClean="0"/>
-              <a:t>Rate their ability much higher than accurate</a:t>
-            </a:r>
-            <a:endParaRPr lang="en-US" dirty="0"/>
-          </a:p>
-        </p:txBody>
-      </p:sp>
+      </p:pic>
     </p:spTree>
     <p:extLst>
       <p:ext uri="{BB962C8B-B14F-4D97-AF65-F5344CB8AC3E}">
-        <p14:creationId xmlns:p14="http://schemas.microsoft.com/office/powerpoint/2010/main" val="3429606446"/>
+        <p14:creationId xmlns:p14="http://schemas.microsoft.com/office/powerpoint/2010/main" val="129864868"/>
       </p:ext>
     </p:extLst>
   </p:cSld>
   <p:clrMapOvr>
     <a:masterClrMapping/>
   </p:clrMapOvr>
-  <p:transition xmlns:p14="http://schemas.microsoft.com/office/powerpoint/2010/main" spd="slow">
-    <p:cut/>
-  </p:transition>
   <p:timing>
     <p:tnLst>
       <p:par>
@@ -6631,7 +6692,7 @@
                 <a:latin typeface="Yanone Kaffeesatz Bold"/>
                 <a:cs typeface="Yanone Kaffeesatz Bold"/>
               </a:rPr>
-              <a:t>Impostor Syndrome</a:t>
+              <a:t>Dunning-Kruger Effect</a:t>
             </a:r>
             <a:endParaRPr lang="en" sz="7200" dirty="0">
               <a:solidFill>
@@ -6681,7 +6742,7 @@
             </a:pPr>
             <a:r>
               <a:rPr lang="en-US" dirty="0" smtClean="0"/>
-              <a:t>Your accomplishments are undeserved, invalid, you in some way not earned</a:t>
+              <a:t>Cognitive bias of unskilled individuals suffering from illusory superiority</a:t>
             </a:r>
           </a:p>
           <a:p>
@@ -6696,6 +6757,10 @@
               <a:buFont typeface="Arial"/>
               <a:buChar char="●"/>
             </a:pPr>
+            <a:r>
+              <a:rPr lang="en-US" dirty="0" smtClean="0"/>
+              <a:t>Rate their ability much higher than accurate</a:t>
+            </a:r>
             <a:endParaRPr lang="en-US" dirty="0"/>
           </a:p>
         </p:txBody>
@@ -6703,7 +6768,7 @@
     </p:spTree>
     <p:extLst>
       <p:ext uri="{BB962C8B-B14F-4D97-AF65-F5344CB8AC3E}">
-        <p14:creationId xmlns:p14="http://schemas.microsoft.com/office/powerpoint/2010/main" val="2196556476"/>
+        <p14:creationId xmlns:p14="http://schemas.microsoft.com/office/powerpoint/2010/main" val="3429606446"/>
       </p:ext>
     </p:extLst>
   </p:cSld>
@@ -6779,7 +6844,7 @@
                 <a:latin typeface="Yanone Kaffeesatz Bold"/>
                 <a:cs typeface="Yanone Kaffeesatz Bold"/>
               </a:rPr>
-              <a:t>Reading</a:t>
+              <a:t>Impostor Syndrome</a:t>
             </a:r>
             <a:endParaRPr lang="en" sz="7200" dirty="0">
               <a:solidFill>
@@ -6815,47 +6880,6 @@
             <a:noAutofit/>
           </a:bodyPr>
           <a:lstStyle/>
-          <a:p>
-            <a:pPr marL="38100" lvl="0" indent="0">
-              <a:lnSpc>
-                <a:spcPct val="130000"/>
-              </a:lnSpc>
-              <a:buClr>
-                <a:schemeClr val="dk1"/>
-              </a:buClr>
-              <a:buSzPct val="100000"/>
-              <a:buNone/>
-            </a:pPr>
-            <a:r>
-              <a:rPr lang="en-US" dirty="0" smtClean="0"/>
-              <a:t>Tanya X Short, “Overcoming Impostor’s </a:t>
-            </a:r>
-            <a:r>
-              <a:rPr lang="en-US" dirty="0"/>
-              <a:t>Syndrome” http://</a:t>
-            </a:r>
-            <a:r>
-              <a:rPr lang="en-US" dirty="0" err="1"/>
-              <a:t>www.gamasutra.com</a:t>
-            </a:r>
-            <a:r>
-              <a:rPr lang="en-US" dirty="0"/>
-              <a:t>/blogs/</a:t>
-            </a:r>
-            <a:r>
-              <a:rPr lang="en-US" dirty="0" err="1"/>
-              <a:t>TanyaXShort</a:t>
-            </a:r>
-            <a:r>
-              <a:rPr lang="en-US" dirty="0"/>
-              <a:t>/20140716/220938/</a:t>
-            </a:r>
-            <a:r>
-              <a:rPr lang="en-US" dirty="0" err="1"/>
-              <a:t>Overcoming_Impostors_Syndrome.php</a:t>
-            </a:r>
-            <a:endParaRPr lang="en-US" dirty="0" smtClean="0"/>
-          </a:p>
           <a:p>
             <a:pPr marL="457200" lvl="0" indent="-419100">
               <a:lnSpc>
@@ -6868,6 +6892,45 @@
               <a:buFont typeface="Arial"/>
               <a:buChar char="●"/>
             </a:pPr>
+            <a:r>
+              <a:rPr lang="en-US" dirty="0" smtClean="0"/>
+              <a:t>Your accomplishments are undeserved, invalid, you in some way not earned</a:t>
+            </a:r>
+          </a:p>
+          <a:p>
+            <a:pPr marL="457200" lvl="0" indent="-419100">
+              <a:lnSpc>
+                <a:spcPct val="130000"/>
+              </a:lnSpc>
+              <a:buClr>
+                <a:schemeClr val="dk1"/>
+              </a:buClr>
+              <a:buSzPct val="100000"/>
+              <a:buFont typeface="Arial"/>
+              <a:buChar char="●"/>
+            </a:pPr>
+            <a:r>
+              <a:rPr lang="en-US" dirty="0" smtClean="0"/>
+              <a:t>(not a </a:t>
+            </a:r>
+            <a:r>
+              <a:rPr lang="en-US" smtClean="0"/>
+              <a:t>descriptive slide)</a:t>
+            </a:r>
+            <a:endParaRPr lang="en-US" dirty="0" smtClean="0"/>
+          </a:p>
+          <a:p>
+            <a:pPr marL="457200" lvl="0" indent="-419100">
+              <a:lnSpc>
+                <a:spcPct val="130000"/>
+              </a:lnSpc>
+              <a:buClr>
+                <a:schemeClr val="dk1"/>
+              </a:buClr>
+              <a:buSzPct val="100000"/>
+              <a:buFont typeface="Arial"/>
+              <a:buChar char="●"/>
+            </a:pPr>
             <a:endParaRPr lang="en-US" dirty="0"/>
           </a:p>
         </p:txBody>
@@ -6875,7 +6938,7 @@
     </p:spTree>
     <p:extLst>
       <p:ext uri="{BB962C8B-B14F-4D97-AF65-F5344CB8AC3E}">
-        <p14:creationId xmlns:p14="http://schemas.microsoft.com/office/powerpoint/2010/main" val="1474808441"/>
+        <p14:creationId xmlns:p14="http://schemas.microsoft.com/office/powerpoint/2010/main" val="2196556476"/>
       </p:ext>
     </p:extLst>
   </p:cSld>
@@ -6951,7 +7014,7 @@
                 <a:latin typeface="Yanone Kaffeesatz Bold"/>
                 <a:cs typeface="Yanone Kaffeesatz Bold"/>
               </a:rPr>
-              <a:t>Plan</a:t>
+              <a:t>Reading</a:t>
             </a:r>
             <a:endParaRPr lang="en" sz="7200" dirty="0">
               <a:solidFill>
@@ -6987,6 +7050,47 @@
             <a:noAutofit/>
           </a:bodyPr>
           <a:lstStyle/>
+          <a:p>
+            <a:pPr marL="38100" lvl="0" indent="0">
+              <a:lnSpc>
+                <a:spcPct val="130000"/>
+              </a:lnSpc>
+              <a:buClr>
+                <a:schemeClr val="dk1"/>
+              </a:buClr>
+              <a:buSzPct val="100000"/>
+              <a:buNone/>
+            </a:pPr>
+            <a:r>
+              <a:rPr lang="en-US" dirty="0" smtClean="0"/>
+              <a:t>Tanya X Short, “Overcoming Impostor’s </a:t>
+            </a:r>
+            <a:r>
+              <a:rPr lang="en-US" dirty="0"/>
+              <a:t>Syndrome” http://</a:t>
+            </a:r>
+            <a:r>
+              <a:rPr lang="en-US" dirty="0" err="1"/>
+              <a:t>www.gamasutra.com</a:t>
+            </a:r>
+            <a:r>
+              <a:rPr lang="en-US" dirty="0"/>
+              <a:t>/blogs/</a:t>
+            </a:r>
+            <a:r>
+              <a:rPr lang="en-US" dirty="0" err="1"/>
+              <a:t>TanyaXShort</a:t>
+            </a:r>
+            <a:r>
+              <a:rPr lang="en-US" dirty="0"/>
+              <a:t>/20140716/220938/</a:t>
+            </a:r>
+            <a:r>
+              <a:rPr lang="en-US" dirty="0" err="1"/>
+              <a:t>Overcoming_Impostors_Syndrome.php</a:t>
+            </a:r>
+            <a:endParaRPr lang="en-US" dirty="0" smtClean="0"/>
+          </a:p>
           <a:p>
             <a:pPr marL="457200" lvl="0" indent="-419100">
               <a:lnSpc>
@@ -6999,27 +7103,6 @@
               <a:buFont typeface="Arial"/>
               <a:buChar char="●"/>
             </a:pPr>
-            <a:r>
-              <a:rPr lang="en-US" dirty="0" smtClean="0"/>
-              <a:t>Introduce OOP concepts</a:t>
-            </a:r>
-          </a:p>
-          <a:p>
-            <a:pPr marL="457200" lvl="0" indent="-419100">
-              <a:lnSpc>
-                <a:spcPct val="130000"/>
-              </a:lnSpc>
-              <a:buClr>
-                <a:schemeClr val="dk1"/>
-              </a:buClr>
-              <a:buSzPct val="100000"/>
-              <a:buFont typeface="Arial"/>
-              <a:buChar char="●"/>
-            </a:pPr>
-            <a:r>
-              <a:rPr lang="en-US" dirty="0" smtClean="0"/>
-              <a:t>Start Rails</a:t>
-            </a:r>
             <a:endParaRPr lang="en-US" dirty="0"/>
           </a:p>
         </p:txBody>
@@ -7027,7 +7110,7 @@
     </p:spTree>
     <p:extLst>
       <p:ext uri="{BB962C8B-B14F-4D97-AF65-F5344CB8AC3E}">
-        <p14:creationId xmlns:p14="http://schemas.microsoft.com/office/powerpoint/2010/main" val="918242060"/>
+        <p14:creationId xmlns:p14="http://schemas.microsoft.com/office/powerpoint/2010/main" val="1474808441"/>
       </p:ext>
     </p:extLst>
   </p:cSld>
@@ -7064,6 +7147,158 @@
           <a:chExt cx="0" cy="0"/>
         </a:xfrm>
       </p:grpSpPr>
+      <p:sp>
+        <p:nvSpPr>
+          <p:cNvPr id="29" name="Shape 29"/>
+          <p:cNvSpPr txBox="1">
+            <a:spLocks noGrp="1"/>
+          </p:cNvSpPr>
+          <p:nvPr>
+            <p:ph type="title"/>
+          </p:nvPr>
+        </p:nvSpPr>
+        <p:spPr>
+          <a:xfrm>
+            <a:off x="457200" y="274637"/>
+            <a:ext cx="8229600" cy="1143000"/>
+          </a:xfrm>
+          <a:prstGeom prst="rect">
+            <a:avLst/>
+          </a:prstGeom>
+        </p:spPr>
+        <p:txBody>
+          <a:bodyPr lIns="91425" tIns="91425" rIns="91425" bIns="91425" anchor="b" anchorCtr="0">
+            <a:noAutofit/>
+          </a:bodyPr>
+          <a:lstStyle/>
+          <a:p>
+            <a:pPr>
+              <a:spcBef>
+                <a:spcPts val="0"/>
+              </a:spcBef>
+              <a:buNone/>
+            </a:pPr>
+            <a:r>
+              <a:rPr lang="en-US" sz="7200" dirty="0" smtClean="0">
+                <a:solidFill>
+                  <a:srgbClr val="FF0000"/>
+                </a:solidFill>
+                <a:latin typeface="Yanone Kaffeesatz Bold"/>
+                <a:cs typeface="Yanone Kaffeesatz Bold"/>
+              </a:rPr>
+              <a:t>Plan</a:t>
+            </a:r>
+            <a:endParaRPr lang="en" sz="7200" dirty="0">
+              <a:solidFill>
+                <a:srgbClr val="FF0000"/>
+              </a:solidFill>
+              <a:latin typeface="Yanone Kaffeesatz Bold"/>
+              <a:cs typeface="Yanone Kaffeesatz Bold"/>
+            </a:endParaRPr>
+          </a:p>
+        </p:txBody>
+      </p:sp>
+      <p:sp>
+        <p:nvSpPr>
+          <p:cNvPr id="30" name="Shape 30"/>
+          <p:cNvSpPr txBox="1">
+            <a:spLocks noGrp="1"/>
+          </p:cNvSpPr>
+          <p:nvPr>
+            <p:ph type="body" idx="1"/>
+          </p:nvPr>
+        </p:nvSpPr>
+        <p:spPr>
+          <a:xfrm>
+            <a:off x="457200" y="1600200"/>
+            <a:ext cx="8229600" cy="4967700"/>
+          </a:xfrm>
+          <a:prstGeom prst="rect">
+            <a:avLst/>
+          </a:prstGeom>
+        </p:spPr>
+        <p:txBody>
+          <a:bodyPr lIns="91425" tIns="91425" rIns="91425" bIns="91425" anchor="t" anchorCtr="0">
+            <a:noAutofit/>
+          </a:bodyPr>
+          <a:lstStyle/>
+          <a:p>
+            <a:pPr marL="457200" lvl="0" indent="-419100">
+              <a:lnSpc>
+                <a:spcPct val="130000"/>
+              </a:lnSpc>
+              <a:buClr>
+                <a:schemeClr val="dk1"/>
+              </a:buClr>
+              <a:buSzPct val="100000"/>
+              <a:buFont typeface="Arial"/>
+              <a:buChar char="●"/>
+            </a:pPr>
+            <a:r>
+              <a:rPr lang="en-US" dirty="0" smtClean="0"/>
+              <a:t>Introduce OOP concepts</a:t>
+            </a:r>
+          </a:p>
+          <a:p>
+            <a:pPr marL="457200" lvl="0" indent="-419100">
+              <a:lnSpc>
+                <a:spcPct val="130000"/>
+              </a:lnSpc>
+              <a:buClr>
+                <a:schemeClr val="dk1"/>
+              </a:buClr>
+              <a:buSzPct val="100000"/>
+              <a:buFont typeface="Arial"/>
+              <a:buChar char="●"/>
+            </a:pPr>
+            <a:r>
+              <a:rPr lang="en-US" dirty="0" smtClean="0"/>
+              <a:t>Start Rails</a:t>
+            </a:r>
+            <a:endParaRPr lang="en-US" dirty="0"/>
+          </a:p>
+        </p:txBody>
+      </p:sp>
+    </p:spTree>
+    <p:extLst>
+      <p:ext uri="{BB962C8B-B14F-4D97-AF65-F5344CB8AC3E}">
+        <p14:creationId xmlns:p14="http://schemas.microsoft.com/office/powerpoint/2010/main" val="918242060"/>
+      </p:ext>
+    </p:extLst>
+  </p:cSld>
+  <p:clrMapOvr>
+    <a:masterClrMapping/>
+  </p:clrMapOvr>
+  <p:transition xmlns:p14="http://schemas.microsoft.com/office/powerpoint/2010/main" spd="slow">
+    <p:cut/>
+  </p:transition>
+  <p:timing>
+    <p:tnLst>
+      <p:par>
+        <p:cTn xmlns:p14="http://schemas.microsoft.com/office/powerpoint/2010/main" id="1" dur="indefinite" restart="never" nodeType="tmRoot"/>
+      </p:par>
+    </p:tnLst>
+  </p:timing>
+</p:sld>
+</file>
+
+<file path=ppt/slides/slide18.xml><?xml version="1.0" encoding="utf-8"?>
+<p:sld xmlns:a="http://schemas.openxmlformats.org/drawingml/2006/main" xmlns:r="http://schemas.openxmlformats.org/officeDocument/2006/relationships" xmlns:p="http://schemas.openxmlformats.org/presentationml/2006/main">
+  <p:cSld>
+    <p:spTree>
+      <p:nvGrpSpPr>
+        <p:cNvPr id="1" name="Shape 28"/>
+        <p:cNvGrpSpPr/>
+        <p:nvPr/>
+      </p:nvGrpSpPr>
+      <p:grpSpPr>
+        <a:xfrm>
+          <a:off x="0" y="0"/>
+          <a:ext cx="0" cy="0"/>
+          <a:chOff x="0" y="0"/>
+          <a:chExt cx="0" cy="0"/>
+        </a:xfrm>
+      </p:grpSpPr>
       <p:pic>
         <p:nvPicPr>
           <p:cNvPr id="2" name="Picture 1"/>
@@ -7111,7 +7346,7 @@
 </p:sld>
 </file>
 
-<file path=ppt/slides/slide18.xml><?xml version="1.0" encoding="utf-8"?>
+<file path=ppt/slides/slide19.xml><?xml version="1.0" encoding="utf-8"?>
 <p:sld xmlns:a="http://schemas.openxmlformats.org/drawingml/2006/main" xmlns:r="http://schemas.openxmlformats.org/officeDocument/2006/relationships" xmlns:p="http://schemas.openxmlformats.org/presentationml/2006/main">
   <p:cSld>
     <p:spTree>
@@ -8381,13 +8616,8 @@
             </a:r>
             <a:r>
               <a:rPr lang="en-US" dirty="0" smtClean="0"/>
-              <a:t>(</a:t>
-            </a:r>
-            <a:r>
-              <a:rPr lang="en-US" dirty="0" smtClean="0"/>
-              <a:t>)</a:t>
-            </a:r>
-            <a:endParaRPr lang="en-US" dirty="0" smtClean="0"/>
+              <a:t>()</a:t>
+            </a:r>
           </a:p>
           <a:p>
             <a:pPr marL="38100" lvl="0" indent="0">
@@ -8601,13 +8831,8 @@
             </a:r>
             <a:r>
               <a:rPr lang="en-US" dirty="0" smtClean="0"/>
-              <a:t>(</a:t>
-            </a:r>
-            <a:r>
-              <a:rPr lang="en-US" dirty="0" smtClean="0"/>
-              <a:t>)</a:t>
-            </a:r>
-            <a:endParaRPr lang="en-US" dirty="0" smtClean="0"/>
+              <a:t>()</a:t>
+            </a:r>
           </a:p>
           <a:p>
             <a:pPr marL="38100" lvl="0" indent="0">
@@ -8877,7 +9102,6 @@
               <a:rPr lang="en-US" dirty="0" smtClean="0"/>
               <a:t>)</a:t>
             </a:r>
-            <a:endParaRPr lang="en-US" dirty="0" smtClean="0"/>
           </a:p>
           <a:p>
             <a:pPr marL="38100" lvl="0" indent="0">
